--- a/1102127S_presentation.pptx
+++ b/1102127S_presentation.pptx
@@ -29,6 +29,9 @@
     <p:sldId id="274" r:id="rId24"/>
     <p:sldId id="275" r:id="rId25"/>
     <p:sldId id="276" r:id="rId26"/>
+    <p:sldId id="277" r:id="rId27"/>
+    <p:sldId id="278" r:id="rId28"/>
+    <p:sldId id="279" r:id="rId29"/>
   </p:sldIdLst>
   <p:sldSz cy="5143500" cx="9144000"/>
   <p:notesSz cx="6858000" cy="9144000"/>
@@ -909,7 +912,7 @@
   <p:cSld>
     <p:spTree>
       <p:nvGrpSpPr>
-        <p:cNvPr id="120" name="Shape 120"/>
+        <p:cNvPr id="119" name="Shape 119"/>
         <p:cNvGrpSpPr/>
         <p:nvPr/>
       </p:nvGrpSpPr>
@@ -923,7 +926,7 @@
       </p:grpSpPr>
       <p:sp>
         <p:nvSpPr>
-          <p:cNvPr id="121" name="Google Shape;121;g11a97c83eeb_0_247:notes"/>
+          <p:cNvPr id="120" name="Google Shape;120;g11f98376b64_0_11:notes"/>
           <p:cNvSpPr/>
           <p:nvPr>
             <p:ph idx="2" type="sldImg"/>
@@ -958,7 +961,7 @@
       </p:sp>
       <p:sp>
         <p:nvSpPr>
-          <p:cNvPr id="122" name="Google Shape;122;g11a97c83eeb_0_247:notes"/>
+          <p:cNvPr id="121" name="Google Shape;121;g11f98376b64_0_11:notes"/>
           <p:cNvSpPr txBox="1"/>
           <p:nvPr>
             <p:ph idx="1" type="body"/>
@@ -1008,7 +1011,7 @@
   <p:cSld>
     <p:spTree>
       <p:nvGrpSpPr>
-        <p:cNvPr id="126" name="Shape 126"/>
+        <p:cNvPr id="125" name="Shape 125"/>
         <p:cNvGrpSpPr/>
         <p:nvPr/>
       </p:nvGrpSpPr>
@@ -1022,7 +1025,7 @@
       </p:grpSpPr>
       <p:sp>
         <p:nvSpPr>
-          <p:cNvPr id="127" name="Google Shape;127;g11a97c83eeb_0_254:notes"/>
+          <p:cNvPr id="126" name="Google Shape;126;g11f98376b64_0_6:notes"/>
           <p:cNvSpPr/>
           <p:nvPr>
             <p:ph idx="2" type="sldImg"/>
@@ -1057,7 +1060,7 @@
       </p:sp>
       <p:sp>
         <p:nvSpPr>
-          <p:cNvPr id="128" name="Google Shape;128;g11a97c83eeb_0_254:notes"/>
+          <p:cNvPr id="127" name="Google Shape;127;g11f98376b64_0_6:notes"/>
           <p:cNvSpPr txBox="1"/>
           <p:nvPr>
             <p:ph idx="1" type="body"/>
@@ -1107,7 +1110,7 @@
   <p:cSld>
     <p:spTree>
       <p:nvGrpSpPr>
-        <p:cNvPr id="132" name="Shape 132"/>
+        <p:cNvPr id="131" name="Shape 131"/>
         <p:cNvGrpSpPr/>
         <p:nvPr/>
       </p:nvGrpSpPr>
@@ -1121,7 +1124,7 @@
       </p:grpSpPr>
       <p:sp>
         <p:nvSpPr>
-          <p:cNvPr id="133" name="Google Shape;133;g11a97c83eeb_0_215:notes"/>
+          <p:cNvPr id="132" name="Google Shape;132;g11a97c83eeb_0_247:notes"/>
           <p:cNvSpPr/>
           <p:nvPr>
             <p:ph idx="2" type="sldImg"/>
@@ -1156,7 +1159,7 @@
       </p:sp>
       <p:sp>
         <p:nvSpPr>
-          <p:cNvPr id="134" name="Google Shape;134;g11a97c83eeb_0_215:notes"/>
+          <p:cNvPr id="133" name="Google Shape;133;g11a97c83eeb_0_247:notes"/>
           <p:cNvSpPr txBox="1"/>
           <p:nvPr>
             <p:ph idx="1" type="body"/>
@@ -1220,7 +1223,7 @@
       </p:grpSpPr>
       <p:sp>
         <p:nvSpPr>
-          <p:cNvPr id="138" name="Google Shape;138;g11a97c83eeb_0_168:notes"/>
+          <p:cNvPr id="138" name="Google Shape;138;g11a97c83eeb_0_254:notes"/>
           <p:cNvSpPr/>
           <p:nvPr>
             <p:ph idx="2" type="sldImg"/>
@@ -1255,7 +1258,7 @@
       </p:sp>
       <p:sp>
         <p:nvSpPr>
-          <p:cNvPr id="139" name="Google Shape;139;g11a97c83eeb_0_168:notes"/>
+          <p:cNvPr id="139" name="Google Shape;139;g11a97c83eeb_0_254:notes"/>
           <p:cNvSpPr txBox="1"/>
           <p:nvPr>
             <p:ph idx="1" type="body"/>
@@ -1305,7 +1308,7 @@
   <p:cSld>
     <p:spTree>
       <p:nvGrpSpPr>
-        <p:cNvPr id="144" name="Shape 144"/>
+        <p:cNvPr id="143" name="Shape 143"/>
         <p:cNvGrpSpPr/>
         <p:nvPr/>
       </p:nvGrpSpPr>
@@ -1319,7 +1322,7 @@
       </p:grpSpPr>
       <p:sp>
         <p:nvSpPr>
-          <p:cNvPr id="145" name="Google Shape;145;g11a97c83eeb_0_261:notes"/>
+          <p:cNvPr id="144" name="Google Shape;144;g11a97c83eeb_0_215:notes"/>
           <p:cNvSpPr/>
           <p:nvPr>
             <p:ph idx="2" type="sldImg"/>
@@ -1354,7 +1357,7 @@
       </p:sp>
       <p:sp>
         <p:nvSpPr>
-          <p:cNvPr id="146" name="Google Shape;146;g11a97c83eeb_0_261:notes"/>
+          <p:cNvPr id="145" name="Google Shape;145;g11a97c83eeb_0_215:notes"/>
           <p:cNvSpPr txBox="1"/>
           <p:nvPr>
             <p:ph idx="1" type="body"/>
@@ -1404,7 +1407,7 @@
   <p:cSld>
     <p:spTree>
       <p:nvGrpSpPr>
-        <p:cNvPr id="153" name="Shape 153"/>
+        <p:cNvPr id="148" name="Shape 148"/>
         <p:cNvGrpSpPr/>
         <p:nvPr/>
       </p:nvGrpSpPr>
@@ -1418,7 +1421,7 @@
       </p:grpSpPr>
       <p:sp>
         <p:nvSpPr>
-          <p:cNvPr id="154" name="Google Shape;154;g11a97c83eeb_0_318:notes"/>
+          <p:cNvPr id="149" name="Google Shape;149;g11a97c83eeb_0_168:notes"/>
           <p:cNvSpPr/>
           <p:nvPr>
             <p:ph idx="2" type="sldImg"/>
@@ -1453,7 +1456,7 @@
       </p:sp>
       <p:sp>
         <p:nvSpPr>
-          <p:cNvPr id="155" name="Google Shape;155;g11a97c83eeb_0_318:notes"/>
+          <p:cNvPr id="150" name="Google Shape;150;g11a97c83eeb_0_168:notes"/>
           <p:cNvSpPr txBox="1"/>
           <p:nvPr>
             <p:ph idx="1" type="body"/>
@@ -1503,7 +1506,7 @@
   <p:cSld>
     <p:spTree>
       <p:nvGrpSpPr>
-        <p:cNvPr id="164" name="Shape 164"/>
+        <p:cNvPr id="155" name="Shape 155"/>
         <p:cNvGrpSpPr/>
         <p:nvPr/>
       </p:nvGrpSpPr>
@@ -1517,7 +1520,7 @@
       </p:grpSpPr>
       <p:sp>
         <p:nvSpPr>
-          <p:cNvPr id="165" name="Google Shape;165;g11a97c83eeb_0_286:notes"/>
+          <p:cNvPr id="156" name="Google Shape;156;g11a97c83eeb_0_261:notes"/>
           <p:cNvSpPr/>
           <p:nvPr>
             <p:ph idx="2" type="sldImg"/>
@@ -1552,7 +1555,7 @@
       </p:sp>
       <p:sp>
         <p:nvSpPr>
-          <p:cNvPr id="166" name="Google Shape;166;g11a97c83eeb_0_286:notes"/>
+          <p:cNvPr id="157" name="Google Shape;157;g11a97c83eeb_0_261:notes"/>
           <p:cNvSpPr txBox="1"/>
           <p:nvPr>
             <p:ph idx="1" type="body"/>
@@ -1602,7 +1605,7 @@
   <p:cSld>
     <p:spTree>
       <p:nvGrpSpPr>
-        <p:cNvPr id="171" name="Shape 171"/>
+        <p:cNvPr id="164" name="Shape 164"/>
         <p:cNvGrpSpPr/>
         <p:nvPr/>
       </p:nvGrpSpPr>
@@ -1616,7 +1619,7 @@
       </p:grpSpPr>
       <p:sp>
         <p:nvSpPr>
-          <p:cNvPr id="172" name="Google Shape;172;g11a97c83eeb_0_294:notes"/>
+          <p:cNvPr id="165" name="Google Shape;165;g11a97c83eeb_0_318:notes"/>
           <p:cNvSpPr/>
           <p:nvPr>
             <p:ph idx="2" type="sldImg"/>
@@ -1651,7 +1654,7 @@
       </p:sp>
       <p:sp>
         <p:nvSpPr>
-          <p:cNvPr id="173" name="Google Shape;173;g11a97c83eeb_0_294:notes"/>
+          <p:cNvPr id="166" name="Google Shape;166;g11a97c83eeb_0_318:notes"/>
           <p:cNvSpPr txBox="1"/>
           <p:nvPr>
             <p:ph idx="1" type="body"/>
@@ -1701,7 +1704,7 @@
   <p:cSld>
     <p:spTree>
       <p:nvGrpSpPr>
-        <p:cNvPr id="177" name="Shape 177"/>
+        <p:cNvPr id="175" name="Shape 175"/>
         <p:cNvGrpSpPr/>
         <p:nvPr/>
       </p:nvGrpSpPr>
@@ -1715,7 +1718,7 @@
       </p:grpSpPr>
       <p:sp>
         <p:nvSpPr>
-          <p:cNvPr id="178" name="Google Shape;178;g11a97c83eeb_0_310:notes"/>
+          <p:cNvPr id="176" name="Google Shape;176;g11a97c83eeb_0_286:notes"/>
           <p:cNvSpPr/>
           <p:nvPr>
             <p:ph idx="2" type="sldImg"/>
@@ -1750,7 +1753,7 @@
       </p:sp>
       <p:sp>
         <p:nvSpPr>
-          <p:cNvPr id="179" name="Google Shape;179;g11a97c83eeb_0_310:notes"/>
+          <p:cNvPr id="177" name="Google Shape;177;g11a97c83eeb_0_286:notes"/>
           <p:cNvSpPr txBox="1"/>
           <p:nvPr>
             <p:ph idx="1" type="body"/>
@@ -1899,7 +1902,7 @@
   <p:cSld>
     <p:spTree>
       <p:nvGrpSpPr>
-        <p:cNvPr id="185" name="Shape 185"/>
+        <p:cNvPr id="182" name="Shape 182"/>
         <p:cNvGrpSpPr/>
         <p:nvPr/>
       </p:nvGrpSpPr>
@@ -1913,7 +1916,7 @@
       </p:grpSpPr>
       <p:sp>
         <p:nvSpPr>
-          <p:cNvPr id="186" name="Google Shape;186;g11a97c83eeb_0_271:notes"/>
+          <p:cNvPr id="183" name="Google Shape;183;g11a97c83eeb_0_294:notes"/>
           <p:cNvSpPr/>
           <p:nvPr>
             <p:ph idx="2" type="sldImg"/>
@@ -1948,7 +1951,7 @@
       </p:sp>
       <p:sp>
         <p:nvSpPr>
-          <p:cNvPr id="187" name="Google Shape;187;g11a97c83eeb_0_271:notes"/>
+          <p:cNvPr id="184" name="Google Shape;184;g11a97c83eeb_0_294:notes"/>
           <p:cNvSpPr txBox="1"/>
           <p:nvPr>
             <p:ph idx="1" type="body"/>
@@ -1998,7 +2001,7 @@
   <p:cSld>
     <p:spTree>
       <p:nvGrpSpPr>
-        <p:cNvPr id="196" name="Shape 196"/>
+        <p:cNvPr id="188" name="Shape 188"/>
         <p:cNvGrpSpPr/>
         <p:nvPr/>
       </p:nvGrpSpPr>
@@ -2012,7 +2015,7 @@
       </p:grpSpPr>
       <p:sp>
         <p:nvSpPr>
-          <p:cNvPr id="197" name="Google Shape;197;g11a97c83eeb_0_210:notes"/>
+          <p:cNvPr id="189" name="Google Shape;189;g11a97c83eeb_0_310:notes"/>
           <p:cNvSpPr/>
           <p:nvPr>
             <p:ph idx="2" type="sldImg"/>
@@ -2047,7 +2050,304 @@
       </p:sp>
       <p:sp>
         <p:nvSpPr>
-          <p:cNvPr id="198" name="Google Shape;198;g11a97c83eeb_0_210:notes"/>
+          <p:cNvPr id="190" name="Google Shape;190;g11a97c83eeb_0_310:notes"/>
+          <p:cNvSpPr txBox="1"/>
+          <p:nvPr>
+            <p:ph idx="1" type="body"/>
+          </p:nvPr>
+        </p:nvSpPr>
+        <p:spPr>
+          <a:xfrm>
+            <a:off x="685800" y="4343400"/>
+            <a:ext cx="5486400" cy="4114800"/>
+          </a:xfrm>
+          <a:prstGeom prst="rect">
+            <a:avLst/>
+          </a:prstGeom>
+        </p:spPr>
+        <p:txBody>
+          <a:bodyPr anchorCtr="0" anchor="t" bIns="91425" lIns="91425" spcFirstLastPara="1" rIns="91425" wrap="square" tIns="91425">
+            <a:noAutofit/>
+          </a:bodyPr>
+          <a:lstStyle/>
+          <a:p>
+            <a:pPr indent="0" lvl="0" marL="0" rtl="0" algn="l">
+              <a:spcBef>
+                <a:spcPts val="0"/>
+              </a:spcBef>
+              <a:spcAft>
+                <a:spcPts val="0"/>
+              </a:spcAft>
+              <a:buNone/>
+            </a:pPr>
+            <a:r>
+              <a:t/>
+            </a:r>
+            <a:endParaRPr/>
+          </a:p>
+        </p:txBody>
+      </p:sp>
+    </p:spTree>
+  </p:cSld>
+  <p:clrMapOvr>
+    <a:masterClrMapping/>
+  </p:clrMapOvr>
+</p:notes>
+</file>
+
+<file path=ppt/notesSlides/notesSlide22.xml><?xml version="1.0" encoding="utf-8"?>
+<p:notes xmlns:a="http://schemas.openxmlformats.org/drawingml/2006/main" xmlns:r="http://schemas.openxmlformats.org/officeDocument/2006/relationships" xmlns:mc="http://schemas.openxmlformats.org/markup-compatibility/2006" xmlns:mv="urn:schemas-microsoft-com:mac:vml" xmlns:p="http://schemas.openxmlformats.org/presentationml/2006/main" xmlns:c="http://schemas.openxmlformats.org/drawingml/2006/chart" xmlns:dgm="http://schemas.openxmlformats.org/drawingml/2006/diagram" xmlns:o="urn:schemas-microsoft-com:office:office" xmlns:v="urn:schemas-microsoft-com:vml" xmlns:pvml="urn:schemas-microsoft-com:office:powerpoint" xmlns:com="http://schemas.openxmlformats.org/drawingml/2006/compatibility" xmlns:p14="http://schemas.microsoft.com/office/powerpoint/2010/main" xmlns:p15="http://schemas.microsoft.com/office/powerpoint/2012/main" xmlns:ahyp="http://schemas.microsoft.com/office/drawing/2018/hyperlinkcolor" showMasterPhAnim="0" showMasterSp="0">
+  <p:cSld>
+    <p:spTree>
+      <p:nvGrpSpPr>
+        <p:cNvPr id="196" name="Shape 196"/>
+        <p:cNvGrpSpPr/>
+        <p:nvPr/>
+      </p:nvGrpSpPr>
+      <p:grpSpPr>
+        <a:xfrm>
+          <a:off x="0" y="0"/>
+          <a:ext cx="0" cy="0"/>
+          <a:chOff x="0" y="0"/>
+          <a:chExt cx="0" cy="0"/>
+        </a:xfrm>
+      </p:grpSpPr>
+      <p:sp>
+        <p:nvSpPr>
+          <p:cNvPr id="197" name="Google Shape;197;g11a97c83eeb_0_271:notes"/>
+          <p:cNvSpPr/>
+          <p:nvPr>
+            <p:ph idx="2" type="sldImg"/>
+          </p:nvPr>
+        </p:nvSpPr>
+        <p:spPr>
+          <a:xfrm>
+            <a:off x="381300" y="685800"/>
+            <a:ext cx="6096000" cy="3429000"/>
+          </a:xfrm>
+          <a:custGeom>
+            <a:rect b="b" l="l" r="r" t="t"/>
+            <a:pathLst>
+              <a:path extrusionOk="0" h="120000" w="120000">
+                <a:moveTo>
+                  <a:pt x="0" y="0"/>
+                </a:moveTo>
+                <a:lnTo>
+                  <a:pt x="120000" y="0"/>
+                </a:lnTo>
+                <a:lnTo>
+                  <a:pt x="120000" y="120000"/>
+                </a:lnTo>
+                <a:lnTo>
+                  <a:pt x="0" y="120000"/>
+                </a:lnTo>
+                <a:close/>
+              </a:path>
+            </a:pathLst>
+          </a:custGeom>
+        </p:spPr>
+      </p:sp>
+      <p:sp>
+        <p:nvSpPr>
+          <p:cNvPr id="198" name="Google Shape;198;g11a97c83eeb_0_271:notes"/>
+          <p:cNvSpPr txBox="1"/>
+          <p:nvPr>
+            <p:ph idx="1" type="body"/>
+          </p:nvPr>
+        </p:nvSpPr>
+        <p:spPr>
+          <a:xfrm>
+            <a:off x="685800" y="4343400"/>
+            <a:ext cx="5486400" cy="4114800"/>
+          </a:xfrm>
+          <a:prstGeom prst="rect">
+            <a:avLst/>
+          </a:prstGeom>
+        </p:spPr>
+        <p:txBody>
+          <a:bodyPr anchorCtr="0" anchor="t" bIns="91425" lIns="91425" spcFirstLastPara="1" rIns="91425" wrap="square" tIns="91425">
+            <a:noAutofit/>
+          </a:bodyPr>
+          <a:lstStyle/>
+          <a:p>
+            <a:pPr indent="0" lvl="0" marL="0" rtl="0" algn="l">
+              <a:spcBef>
+                <a:spcPts val="0"/>
+              </a:spcBef>
+              <a:spcAft>
+                <a:spcPts val="0"/>
+              </a:spcAft>
+              <a:buNone/>
+            </a:pPr>
+            <a:r>
+              <a:t/>
+            </a:r>
+            <a:endParaRPr/>
+          </a:p>
+        </p:txBody>
+      </p:sp>
+    </p:spTree>
+  </p:cSld>
+  <p:clrMapOvr>
+    <a:masterClrMapping/>
+  </p:clrMapOvr>
+</p:notes>
+</file>
+
+<file path=ppt/notesSlides/notesSlide23.xml><?xml version="1.0" encoding="utf-8"?>
+<p:notes xmlns:a="http://schemas.openxmlformats.org/drawingml/2006/main" xmlns:r="http://schemas.openxmlformats.org/officeDocument/2006/relationships" xmlns:mc="http://schemas.openxmlformats.org/markup-compatibility/2006" xmlns:mv="urn:schemas-microsoft-com:mac:vml" xmlns:p="http://schemas.openxmlformats.org/presentationml/2006/main" xmlns:c="http://schemas.openxmlformats.org/drawingml/2006/chart" xmlns:dgm="http://schemas.openxmlformats.org/drawingml/2006/diagram" xmlns:o="urn:schemas-microsoft-com:office:office" xmlns:v="urn:schemas-microsoft-com:vml" xmlns:pvml="urn:schemas-microsoft-com:office:powerpoint" xmlns:com="http://schemas.openxmlformats.org/drawingml/2006/compatibility" xmlns:p14="http://schemas.microsoft.com/office/powerpoint/2010/main" xmlns:p15="http://schemas.microsoft.com/office/powerpoint/2012/main" xmlns:ahyp="http://schemas.microsoft.com/office/drawing/2018/hyperlinkcolor" showMasterPhAnim="0" showMasterSp="0">
+  <p:cSld>
+    <p:spTree>
+      <p:nvGrpSpPr>
+        <p:cNvPr id="207" name="Shape 207"/>
+        <p:cNvGrpSpPr/>
+        <p:nvPr/>
+      </p:nvGrpSpPr>
+      <p:grpSpPr>
+        <a:xfrm>
+          <a:off x="0" y="0"/>
+          <a:ext cx="0" cy="0"/>
+          <a:chOff x="0" y="0"/>
+          <a:chExt cx="0" cy="0"/>
+        </a:xfrm>
+      </p:grpSpPr>
+      <p:sp>
+        <p:nvSpPr>
+          <p:cNvPr id="208" name="Google Shape;208;g11f98376b64_0_0:notes"/>
+          <p:cNvSpPr/>
+          <p:nvPr>
+            <p:ph idx="2" type="sldImg"/>
+          </p:nvPr>
+        </p:nvSpPr>
+        <p:spPr>
+          <a:xfrm>
+            <a:off x="381300" y="685800"/>
+            <a:ext cx="6096000" cy="3429000"/>
+          </a:xfrm>
+          <a:custGeom>
+            <a:rect b="b" l="l" r="r" t="t"/>
+            <a:pathLst>
+              <a:path extrusionOk="0" h="120000" w="120000">
+                <a:moveTo>
+                  <a:pt x="0" y="0"/>
+                </a:moveTo>
+                <a:lnTo>
+                  <a:pt x="120000" y="0"/>
+                </a:lnTo>
+                <a:lnTo>
+                  <a:pt x="120000" y="120000"/>
+                </a:lnTo>
+                <a:lnTo>
+                  <a:pt x="0" y="120000"/>
+                </a:lnTo>
+                <a:close/>
+              </a:path>
+            </a:pathLst>
+          </a:custGeom>
+        </p:spPr>
+      </p:sp>
+      <p:sp>
+        <p:nvSpPr>
+          <p:cNvPr id="209" name="Google Shape;209;g11f98376b64_0_0:notes"/>
+          <p:cNvSpPr txBox="1"/>
+          <p:nvPr>
+            <p:ph idx="1" type="body"/>
+          </p:nvPr>
+        </p:nvSpPr>
+        <p:spPr>
+          <a:xfrm>
+            <a:off x="685800" y="4343400"/>
+            <a:ext cx="5486400" cy="4114800"/>
+          </a:xfrm>
+          <a:prstGeom prst="rect">
+            <a:avLst/>
+          </a:prstGeom>
+        </p:spPr>
+        <p:txBody>
+          <a:bodyPr anchorCtr="0" anchor="t" bIns="91425" lIns="91425" spcFirstLastPara="1" rIns="91425" wrap="square" tIns="91425">
+            <a:noAutofit/>
+          </a:bodyPr>
+          <a:lstStyle/>
+          <a:p>
+            <a:pPr indent="0" lvl="0" marL="0" rtl="0" algn="l">
+              <a:spcBef>
+                <a:spcPts val="0"/>
+              </a:spcBef>
+              <a:spcAft>
+                <a:spcPts val="0"/>
+              </a:spcAft>
+              <a:buNone/>
+            </a:pPr>
+            <a:r>
+              <a:t/>
+            </a:r>
+            <a:endParaRPr/>
+          </a:p>
+        </p:txBody>
+      </p:sp>
+    </p:spTree>
+  </p:cSld>
+  <p:clrMapOvr>
+    <a:masterClrMapping/>
+  </p:clrMapOvr>
+</p:notes>
+</file>
+
+<file path=ppt/notesSlides/notesSlide24.xml><?xml version="1.0" encoding="utf-8"?>
+<p:notes xmlns:a="http://schemas.openxmlformats.org/drawingml/2006/main" xmlns:r="http://schemas.openxmlformats.org/officeDocument/2006/relationships" xmlns:mc="http://schemas.openxmlformats.org/markup-compatibility/2006" xmlns:mv="urn:schemas-microsoft-com:mac:vml" xmlns:p="http://schemas.openxmlformats.org/presentationml/2006/main" xmlns:c="http://schemas.openxmlformats.org/drawingml/2006/chart" xmlns:dgm="http://schemas.openxmlformats.org/drawingml/2006/diagram" xmlns:o="urn:schemas-microsoft-com:office:office" xmlns:v="urn:schemas-microsoft-com:vml" xmlns:pvml="urn:schemas-microsoft-com:office:powerpoint" xmlns:com="http://schemas.openxmlformats.org/drawingml/2006/compatibility" xmlns:p14="http://schemas.microsoft.com/office/powerpoint/2010/main" xmlns:p15="http://schemas.microsoft.com/office/powerpoint/2012/main" xmlns:ahyp="http://schemas.microsoft.com/office/drawing/2018/hyperlinkcolor" showMasterPhAnim="0" showMasterSp="0">
+  <p:cSld>
+    <p:spTree>
+      <p:nvGrpSpPr>
+        <p:cNvPr id="214" name="Shape 214"/>
+        <p:cNvGrpSpPr/>
+        <p:nvPr/>
+      </p:nvGrpSpPr>
+      <p:grpSpPr>
+        <a:xfrm>
+          <a:off x="0" y="0"/>
+          <a:ext cx="0" cy="0"/>
+          <a:chOff x="0" y="0"/>
+          <a:chExt cx="0" cy="0"/>
+        </a:xfrm>
+      </p:grpSpPr>
+      <p:sp>
+        <p:nvSpPr>
+          <p:cNvPr id="215" name="Google Shape;215;g11a97c83eeb_0_210:notes"/>
+          <p:cNvSpPr/>
+          <p:nvPr>
+            <p:ph idx="2" type="sldImg"/>
+          </p:nvPr>
+        </p:nvSpPr>
+        <p:spPr>
+          <a:xfrm>
+            <a:off x="381300" y="685800"/>
+            <a:ext cx="6096000" cy="3429000"/>
+          </a:xfrm>
+          <a:custGeom>
+            <a:rect b="b" l="l" r="r" t="t"/>
+            <a:pathLst>
+              <a:path extrusionOk="0" h="120000" w="120000">
+                <a:moveTo>
+                  <a:pt x="0" y="0"/>
+                </a:moveTo>
+                <a:lnTo>
+                  <a:pt x="120000" y="0"/>
+                </a:lnTo>
+                <a:lnTo>
+                  <a:pt x="120000" y="120000"/>
+                </a:lnTo>
+                <a:lnTo>
+                  <a:pt x="0" y="120000"/>
+                </a:lnTo>
+                <a:close/>
+              </a:path>
+            </a:pathLst>
+          </a:custGeom>
+        </p:spPr>
+      </p:sp>
+      <p:sp>
+        <p:nvSpPr>
+          <p:cNvPr id="216" name="Google Shape;216;g11a97c83eeb_0_210:notes"/>
           <p:cNvSpPr txBox="1"/>
           <p:nvPr>
             <p:ph idx="1" type="body"/>
@@ -8658,239 +8958,9 @@
         </p:spPr>
         <p:txBody>
           <a:bodyPr anchorCtr="0" anchor="t" bIns="91425" lIns="91425" spcFirstLastPara="1" rIns="91425" wrap="square" tIns="91425">
-            <a:normAutofit fontScale="85000" lnSpcReduction="20000"/>
+            <a:normAutofit/>
           </a:bodyPr>
           <a:lstStyle/>
-          <a:p>
-            <a:pPr indent="0" lvl="0" marL="0" rtl="0" algn="l">
-              <a:spcBef>
-                <a:spcPts val="0"/>
-              </a:spcBef>
-              <a:spcAft>
-                <a:spcPts val="0"/>
-              </a:spcAft>
-              <a:buClr>
-                <a:schemeClr val="dk1"/>
-              </a:buClr>
-              <a:buSzPct val="61111"/>
-              <a:buFont typeface="Arial"/>
-              <a:buNone/>
-            </a:pPr>
-            <a:r>
-              <a:rPr lang="zh-TW"/>
-              <a:t> // Represent "i" in factorial base</a:t>
-            </a:r>
-            <a:endParaRPr/>
-          </a:p>
-          <a:p>
-            <a:pPr indent="0" lvl="0" marL="0" rtl="0" algn="l">
-              <a:spcBef>
-                <a:spcPts val="1200"/>
-              </a:spcBef>
-              <a:spcAft>
-                <a:spcPts val="0"/>
-              </a:spcAft>
-              <a:buClr>
-                <a:schemeClr val="dk1"/>
-              </a:buClr>
-              <a:buSzPct val="61111"/>
-              <a:buFont typeface="Arial"/>
-              <a:buNone/>
-            </a:pPr>
-            <a:r>
-              <a:rPr lang="zh-TW"/>
-              <a:t>  for (int k = 0; k &lt; N; ++k) {</a:t>
-            </a:r>
-            <a:endParaRPr/>
-          </a:p>
-          <a:p>
-            <a:pPr indent="0" lvl="0" marL="0" rtl="0" algn="l">
-              <a:spcBef>
-                <a:spcPts val="1200"/>
-              </a:spcBef>
-              <a:spcAft>
-                <a:spcPts val="0"/>
-              </a:spcAft>
-              <a:buClr>
-                <a:schemeClr val="dk1"/>
-              </a:buClr>
-              <a:buSzPct val="61111"/>
-              <a:buFont typeface="Arial"/>
-              <a:buNone/>
-            </a:pPr>
-            <a:r>
-              <a:rPr lang="zh-TW"/>
-              <a:t>	perm[k] = i / factorial(N - 1 - k);</a:t>
-            </a:r>
-            <a:endParaRPr/>
-          </a:p>
-          <a:p>
-            <a:pPr indent="0" lvl="0" marL="0" rtl="0" algn="l">
-              <a:spcBef>
-                <a:spcPts val="1200"/>
-              </a:spcBef>
-              <a:spcAft>
-                <a:spcPts val="0"/>
-              </a:spcAft>
-              <a:buClr>
-                <a:schemeClr val="dk1"/>
-              </a:buClr>
-              <a:buSzPct val="61111"/>
-              <a:buFont typeface="Arial"/>
-              <a:buNone/>
-            </a:pPr>
-            <a:r>
-              <a:rPr lang="zh-TW"/>
-              <a:t>	i = i % factorial(N - 1 - k);</a:t>
-            </a:r>
-            <a:endParaRPr/>
-          </a:p>
-          <a:p>
-            <a:pPr indent="0" lvl="0" marL="0" rtl="0" algn="l">
-              <a:spcBef>
-                <a:spcPts val="1200"/>
-              </a:spcBef>
-              <a:spcAft>
-                <a:spcPts val="0"/>
-              </a:spcAft>
-              <a:buClr>
-                <a:schemeClr val="dk1"/>
-              </a:buClr>
-              <a:buSzPct val="61111"/>
-              <a:buFont typeface="Arial"/>
-              <a:buNone/>
-            </a:pPr>
-            <a:r>
-              <a:rPr lang="zh-TW"/>
-              <a:t>  }</a:t>
-            </a:r>
-            <a:endParaRPr/>
-          </a:p>
-          <a:p>
-            <a:pPr indent="0" lvl="0" marL="0" rtl="0" algn="l">
-              <a:spcBef>
-                <a:spcPts val="1200"/>
-              </a:spcBef>
-              <a:spcAft>
-                <a:spcPts val="0"/>
-              </a:spcAft>
-              <a:buClr>
-                <a:schemeClr val="dk1"/>
-              </a:buClr>
-              <a:buSzPct val="61111"/>
-              <a:buFont typeface="Arial"/>
-              <a:buNone/>
-            </a:pPr>
-            <a:r>
-              <a:rPr lang="zh-TW"/>
-              <a:t>  // Transform the factorial representation into an inversion vector</a:t>
-            </a:r>
-            <a:endParaRPr/>
-          </a:p>
-          <a:p>
-            <a:pPr indent="0" lvl="0" marL="0" rtl="0" algn="l">
-              <a:spcBef>
-                <a:spcPts val="1200"/>
-              </a:spcBef>
-              <a:spcAft>
-                <a:spcPts val="0"/>
-              </a:spcAft>
-              <a:buClr>
-                <a:schemeClr val="dk1"/>
-              </a:buClr>
-              <a:buSzPct val="61111"/>
-              <a:buFont typeface="Arial"/>
-              <a:buNone/>
-            </a:pPr>
-            <a:r>
-              <a:rPr lang="zh-TW"/>
-              <a:t>  for (char k = N - 1; k &gt; 0; --k)</a:t>
-            </a:r>
-            <a:endParaRPr/>
-          </a:p>
-          <a:p>
-            <a:pPr indent="0" lvl="0" marL="0" rtl="0" algn="l">
-              <a:spcBef>
-                <a:spcPts val="1200"/>
-              </a:spcBef>
-              <a:spcAft>
-                <a:spcPts val="0"/>
-              </a:spcAft>
-              <a:buClr>
-                <a:schemeClr val="dk1"/>
-              </a:buClr>
-              <a:buSzPct val="61111"/>
-              <a:buFont typeface="Arial"/>
-              <a:buNone/>
-            </a:pPr>
-            <a:r>
-              <a:rPr lang="zh-TW"/>
-              <a:t>	for (char j = k - 1; j &gt;= 0; --j)</a:t>
-            </a:r>
-            <a:endParaRPr/>
-          </a:p>
-          <a:p>
-            <a:pPr indent="0" lvl="0" marL="0" rtl="0" algn="l">
-              <a:spcBef>
-                <a:spcPts val="1200"/>
-              </a:spcBef>
-              <a:spcAft>
-                <a:spcPts val="1200"/>
-              </a:spcAft>
-              <a:buNone/>
-            </a:pPr>
-            <a:r>
-              <a:rPr lang="zh-TW"/>
-              <a:t>  	perm[k] += (perm[j] &lt;= perm[k]);</a:t>
-            </a:r>
-            <a:endParaRPr/>
-          </a:p>
-        </p:txBody>
-      </p:sp>
-      <p:sp>
-        <p:nvSpPr>
-          <p:cNvPr id="119" name="Google Shape;119;p23"/>
-          <p:cNvSpPr txBox="1"/>
-          <p:nvPr/>
-        </p:nvSpPr>
-        <p:spPr>
-          <a:xfrm>
-            <a:off x="6037800" y="1833000"/>
-            <a:ext cx="2794500" cy="2124000"/>
-          </a:xfrm>
-          <a:prstGeom prst="rect">
-            <a:avLst/>
-          </a:prstGeom>
-          <a:noFill/>
-          <a:ln>
-            <a:noFill/>
-          </a:ln>
-        </p:spPr>
-        <p:txBody>
-          <a:bodyPr anchorCtr="0" anchor="t" bIns="91425" lIns="91425" spcFirstLastPara="1" rIns="91425" wrap="square" tIns="91425">
-            <a:spAutoFit/>
-          </a:bodyPr>
-          <a:lstStyle/>
-          <a:p>
-            <a:pPr indent="0" lvl="0" marL="0" rtl="0" algn="l">
-              <a:spcBef>
-                <a:spcPts val="0"/>
-              </a:spcBef>
-              <a:spcAft>
-                <a:spcPts val="0"/>
-              </a:spcAft>
-              <a:buNone/>
-            </a:pPr>
-            <a:r>
-              <a:rPr lang="zh-TW" sz="1800"/>
-              <a:t>N=4: </a:t>
-            </a:r>
-            <a:r>
-              <a:rPr lang="zh-TW" sz="1800"/>
-              <a:t>  </a:t>
-            </a:r>
-            <a:endParaRPr sz="1800"/>
-          </a:p>
           <a:p>
             <a:pPr indent="0" lvl="0" marL="0" rtl="0" algn="l">
               <a:spcBef>
@@ -8907,15 +8977,15 @@
               <a:buNone/>
             </a:pPr>
             <a:r>
-              <a:rPr lang="zh-TW" sz="1800"/>
-              <a:t>  // 0 | 1 | 2 | 3</a:t>
-            </a:r>
-            <a:endParaRPr sz="1800"/>
+              <a:rPr lang="zh-TW"/>
+              <a:t> // Represent "i" in factorial base:</a:t>
+            </a:r>
+            <a:endParaRPr/>
           </a:p>
           <a:p>
             <a:pPr indent="0" lvl="0" marL="0" rtl="0" algn="l">
               <a:spcBef>
-                <a:spcPts val="0"/>
+                <a:spcPts val="1200"/>
               </a:spcBef>
               <a:spcAft>
                 <a:spcPts val="0"/>
@@ -8928,15 +8998,67 @@
               <a:buNone/>
             </a:pPr>
             <a:r>
-              <a:rPr lang="zh-TW" sz="1800"/>
-              <a:t>  // 0 | 1 | 3 | 2</a:t>
-            </a:r>
-            <a:endParaRPr sz="1800"/>
+              <a:rPr lang="zh-TW"/>
+              <a:t>// N = 4, i =  5</a:t>
+            </a:r>
+            <a:r>
+              <a:rPr lang="zh-TW"/>
+              <a:t> = 0 * </a:t>
+            </a:r>
+            <a:r>
+              <a:rPr lang="zh-TW">
+                <a:solidFill>
+                  <a:srgbClr val="6AA84F"/>
+                </a:solidFill>
+              </a:rPr>
+              <a:t>3!</a:t>
+            </a:r>
+            <a:r>
+              <a:rPr lang="zh-TW"/>
+              <a:t> + 2 * </a:t>
+            </a:r>
+            <a:r>
+              <a:rPr lang="zh-TW">
+                <a:solidFill>
+                  <a:srgbClr val="6AA84F"/>
+                </a:solidFill>
+              </a:rPr>
+              <a:t>2!</a:t>
+            </a:r>
+            <a:r>
+              <a:rPr lang="zh-TW"/>
+              <a:t> + 1 * </a:t>
+            </a:r>
+            <a:r>
+              <a:rPr lang="zh-TW">
+                <a:solidFill>
+                  <a:srgbClr val="6AA84F"/>
+                </a:solidFill>
+              </a:rPr>
+              <a:t>1!</a:t>
+            </a:r>
+            <a:r>
+              <a:rPr lang="zh-TW"/>
+              <a:t> + 0 * </a:t>
+            </a:r>
+            <a:r>
+              <a:rPr lang="zh-TW">
+                <a:solidFill>
+                  <a:srgbClr val="6AA84F"/>
+                </a:solidFill>
+              </a:rPr>
+              <a:t>0</a:t>
+            </a:r>
+            <a:r>
+              <a:rPr lang="zh-TW"/>
+              <a:t> = 0210</a:t>
+            </a:r>
+            <a:endParaRPr/>
           </a:p>
           <a:p>
             <a:pPr indent="0" lvl="0" marL="0" rtl="0" algn="l">
               <a:spcBef>
-                <a:spcPts val="0"/>
+                <a:spcPts val="1200"/>
               </a:spcBef>
               <a:spcAft>
                 <a:spcPts val="0"/>
@@ -8949,15 +9071,15 @@
               <a:buNone/>
             </a:pPr>
             <a:r>
-              <a:rPr lang="zh-TW" sz="1800"/>
-              <a:t>  // 0 | 2 | 1 | 3</a:t>
-            </a:r>
-            <a:endParaRPr sz="1800"/>
+              <a:rPr lang="zh-TW"/>
+              <a:t>  for (int k = 0; k &lt; N; ++k) {</a:t>
+            </a:r>
+            <a:endParaRPr/>
           </a:p>
           <a:p>
             <a:pPr indent="0" lvl="0" marL="0" rtl="0" algn="l">
               <a:spcBef>
-                <a:spcPts val="0"/>
+                <a:spcPts val="1200"/>
               </a:spcBef>
               <a:spcAft>
                 <a:spcPts val="0"/>
@@ -8970,15 +9092,15 @@
               <a:buNone/>
             </a:pPr>
             <a:r>
-              <a:rPr lang="zh-TW" sz="1800"/>
-              <a:t>  // 0 | 2 | 3 | 1</a:t>
-            </a:r>
-            <a:endParaRPr sz="1800"/>
+              <a:rPr lang="zh-TW"/>
+              <a:t>	perm[k] = i / factorial(N - 1 - k);</a:t>
+            </a:r>
+            <a:endParaRPr/>
           </a:p>
           <a:p>
             <a:pPr indent="0" lvl="0" marL="0" rtl="0" algn="l">
               <a:spcBef>
-                <a:spcPts val="0"/>
+                <a:spcPts val="1200"/>
               </a:spcBef>
               <a:spcAft>
                 <a:spcPts val="0"/>
@@ -8991,26 +9113,31 @@
               <a:buNone/>
             </a:pPr>
             <a:r>
-              <a:rPr lang="zh-TW" sz="1800"/>
-              <a:t>  // 0 | 3 | 1 | 2</a:t>
-            </a:r>
-            <a:endParaRPr sz="1800"/>
+              <a:rPr lang="zh-TW"/>
+              <a:t>	i = i % factorial(N - 1 - k);</a:t>
+            </a:r>
+            <a:endParaRPr/>
           </a:p>
           <a:p>
             <a:pPr indent="0" lvl="0" marL="0" rtl="0" algn="l">
               <a:spcBef>
-                <a:spcPts val="0"/>
-              </a:spcBef>
-              <a:spcAft>
-                <a:spcPts val="0"/>
-              </a:spcAft>
-              <a:buNone/>
-            </a:pPr>
-            <a:r>
-              <a:rPr lang="zh-TW" sz="1800"/>
-              <a:t>  // 0 | 3 | 2 | 1</a:t>
-            </a:r>
-            <a:endParaRPr sz="1800"/>
+                <a:spcPts val="1200"/>
+              </a:spcBef>
+              <a:spcAft>
+                <a:spcPts val="1200"/>
+              </a:spcAft>
+              <a:buClr>
+                <a:schemeClr val="dk1"/>
+              </a:buClr>
+              <a:buSzPts val="1100"/>
+              <a:buFont typeface="Arial"/>
+              <a:buNone/>
+            </a:pPr>
+            <a:r>
+              <a:rPr lang="zh-TW"/>
+              <a:t>  }</a:t>
+            </a:r>
+            <a:endParaRPr/>
           </a:p>
         </p:txBody>
       </p:sp>
@@ -9027,7 +9154,7 @@
   <p:cSld>
     <p:spTree>
       <p:nvGrpSpPr>
-        <p:cNvPr id="123" name="Shape 123"/>
+        <p:cNvPr id="122" name="Shape 122"/>
         <p:cNvGrpSpPr/>
         <p:nvPr/>
       </p:nvGrpSpPr>
@@ -9041,7 +9168,7 @@
       </p:grpSpPr>
       <p:sp>
         <p:nvSpPr>
-          <p:cNvPr id="124" name="Google Shape;124;p24"/>
+          <p:cNvPr id="123" name="Google Shape;123;p24"/>
           <p:cNvSpPr txBox="1"/>
           <p:nvPr>
             <p:ph type="title"/>
@@ -9073,15 +9200,7 @@
             </a:pPr>
             <a:r>
               <a:rPr lang="zh-TW"/>
-              <a:t>lookup permutation from Distances (small, onto </a:t>
-            </a:r>
-            <a:r>
-              <a:rPr b="1" lang="zh-TW"/>
-              <a:t>on-chip</a:t>
-            </a:r>
-            <a:r>
-              <a:rPr lang="zh-TW"/>
-              <a:t>)</a:t>
+              <a:t>create route permutations "on-the-fly"</a:t>
             </a:r>
             <a:endParaRPr/>
           </a:p>
@@ -9089,7 +9208,7 @@
       </p:sp>
       <p:sp>
         <p:nvSpPr>
-          <p:cNvPr id="125" name="Google Shape;125;p24"/>
+          <p:cNvPr id="124" name="Google Shape;124;p24"/>
           <p:cNvSpPr txBox="1"/>
           <p:nvPr>
             <p:ph idx="1" type="body"/>
@@ -9106,7 +9225,7 @@
         </p:spPr>
         <p:txBody>
           <a:bodyPr anchorCtr="0" anchor="t" bIns="91425" lIns="91425" spcFirstLastPara="1" rIns="91425" wrap="square" tIns="91425">
-            <a:normAutofit fontScale="70000" lnSpcReduction="20000"/>
+            <a:normAutofit/>
           </a:bodyPr>
           <a:lstStyle/>
           <a:p>
@@ -9120,13 +9239,13 @@
               <a:buClr>
                 <a:schemeClr val="dk1"/>
               </a:buClr>
-              <a:buSzPct val="61111"/>
+              <a:buSzPts val="1100"/>
               <a:buFont typeface="Arial"/>
               <a:buNone/>
             </a:pPr>
             <a:r>
               <a:rPr lang="zh-TW"/>
-              <a:t>template&lt;typename T&gt;</a:t>
+              <a:t> // Transform the factorial representation into an inversion vector</a:t>
             </a:r>
             <a:endParaRPr/>
           </a:p>
@@ -9141,13 +9260,145 @@
               <a:buClr>
                 <a:schemeClr val="dk1"/>
               </a:buClr>
-              <a:buSzPct val="61111"/>
+              <a:buSzPts val="1100"/>
               <a:buFont typeface="Arial"/>
               <a:buNone/>
             </a:pPr>
             <a:r>
               <a:rPr lang="zh-TW"/>
-              <a:t>unsigned int getDistance(const T perm[N], const uint16_t distances[N][N])</a:t>
+              <a:t>// 01</a:t>
+            </a:r>
+            <a:r>
+              <a:rPr lang="zh-TW">
+                <a:solidFill>
+                  <a:srgbClr val="FF0000"/>
+                </a:solidFill>
+              </a:rPr>
+              <a:t>0</a:t>
+            </a:r>
+            <a:r>
+              <a:rPr lang="zh-TW">
+                <a:solidFill>
+                  <a:srgbClr val="0000FF"/>
+                </a:solidFill>
+              </a:rPr>
+              <a:t>0</a:t>
+            </a:r>
+            <a:r>
+              <a:rPr lang="zh-TW"/>
+              <a:t> -&gt; 0</a:t>
+            </a:r>
+            <a:r>
+              <a:rPr lang="zh-TW">
+                <a:solidFill>
+                  <a:srgbClr val="FF0000"/>
+                </a:solidFill>
+              </a:rPr>
+              <a:t>1</a:t>
+            </a:r>
+            <a:r>
+              <a:rPr lang="zh-TW"/>
+              <a:t>0</a:t>
+            </a:r>
+            <a:r>
+              <a:rPr lang="zh-TW">
+                <a:solidFill>
+                  <a:srgbClr val="0000FF"/>
+                </a:solidFill>
+              </a:rPr>
+              <a:t>1</a:t>
+            </a:r>
+            <a:r>
+              <a:rPr lang="zh-TW"/>
+              <a:t> -&gt; </a:t>
+            </a:r>
+            <a:r>
+              <a:rPr lang="zh-TW">
+                <a:solidFill>
+                  <a:srgbClr val="FF0000"/>
+                </a:solidFill>
+              </a:rPr>
+              <a:t>0</a:t>
+            </a:r>
+            <a:r>
+              <a:rPr lang="zh-TW"/>
+              <a:t>10</a:t>
+            </a:r>
+            <a:r>
+              <a:rPr lang="zh-TW">
+                <a:solidFill>
+                  <a:srgbClr val="0000FF"/>
+                </a:solidFill>
+              </a:rPr>
+              <a:t>2</a:t>
+            </a:r>
+            <a:r>
+              <a:rPr lang="zh-TW"/>
+              <a:t> -&gt; 0</a:t>
+            </a:r>
+            <a:r>
+              <a:rPr lang="zh-TW">
+                <a:solidFill>
+                  <a:srgbClr val="FF0000"/>
+                </a:solidFill>
+              </a:rPr>
+              <a:t>1</a:t>
+            </a:r>
+            <a:r>
+              <a:rPr lang="zh-TW">
+                <a:solidFill>
+                  <a:srgbClr val="0000FF"/>
+                </a:solidFill>
+              </a:rPr>
+              <a:t>0</a:t>
+            </a:r>
+            <a:r>
+              <a:rPr lang="zh-TW"/>
+              <a:t>3 -&gt; </a:t>
+            </a:r>
+            <a:r>
+              <a:rPr lang="zh-TW">
+                <a:solidFill>
+                  <a:srgbClr val="FF0000"/>
+                </a:solidFill>
+              </a:rPr>
+              <a:t>0</a:t>
+            </a:r>
+            <a:r>
+              <a:rPr lang="zh-TW"/>
+              <a:t>1</a:t>
+            </a:r>
+            <a:r>
+              <a:rPr lang="zh-TW">
+                <a:solidFill>
+                  <a:srgbClr val="0000FF"/>
+                </a:solidFill>
+              </a:rPr>
+              <a:t>0</a:t>
+            </a:r>
+            <a:r>
+              <a:rPr lang="zh-TW"/>
+              <a:t>3 -&gt; </a:t>
+            </a:r>
+            <a:r>
+              <a:rPr lang="zh-TW">
+                <a:solidFill>
+                  <a:srgbClr val="FF0000"/>
+                </a:solidFill>
+              </a:rPr>
+              <a:t>0</a:t>
+            </a:r>
+            <a:r>
+              <a:rPr lang="zh-TW">
+                <a:solidFill>
+                  <a:srgbClr val="0000FF"/>
+                </a:solidFill>
+              </a:rPr>
+              <a:t>1</a:t>
+            </a:r>
+            <a:r>
+              <a:rPr lang="zh-TW"/>
+              <a:t>13 -&gt; 0123</a:t>
             </a:r>
             <a:endParaRPr/>
           </a:p>
@@ -9162,13 +9413,13 @@
               <a:buClr>
                 <a:schemeClr val="dk1"/>
               </a:buClr>
-              <a:buSzPct val="61111"/>
+              <a:buSzPts val="1100"/>
               <a:buFont typeface="Arial"/>
               <a:buNone/>
             </a:pPr>
             <a:r>
               <a:rPr lang="zh-TW"/>
-              <a:t>{</a:t>
+              <a:t>  for (char k = N - 1; k &gt; 0; --k)</a:t>
             </a:r>
             <a:endParaRPr/>
           </a:p>
@@ -9183,13 +9434,13 @@
               <a:buClr>
                 <a:schemeClr val="dk1"/>
               </a:buClr>
-              <a:buSzPct val="61111"/>
+              <a:buSzPts val="1100"/>
               <a:buFont typeface="Arial"/>
               <a:buNone/>
             </a:pPr>
             <a:r>
               <a:rPr lang="zh-TW"/>
-              <a:t>  #pragma HLS INLINE</a:t>
+              <a:t>	for (char j = k - 1; j &gt;= 0; --j)</a:t>
             </a:r>
             <a:endParaRPr/>
           </a:p>
@@ -9199,117 +9450,18 @@
                 <a:spcPts val="1200"/>
               </a:spcBef>
               <a:spcAft>
-                <a:spcPts val="0"/>
+                <a:spcPts val="1200"/>
               </a:spcAft>
               <a:buClr>
                 <a:schemeClr val="dk1"/>
               </a:buClr>
-              <a:buSzPct val="61111"/>
+              <a:buSzPts val="1100"/>
               <a:buFont typeface="Arial"/>
               <a:buNone/>
             </a:pPr>
             <a:r>
-              <a:t/>
-            </a:r>
-            <a:endParaRPr/>
-          </a:p>
-          <a:p>
-            <a:pPr indent="0" lvl="0" marL="0" rtl="0" algn="l">
-              <a:spcBef>
-                <a:spcPts val="1200"/>
-              </a:spcBef>
-              <a:spcAft>
-                <a:spcPts val="0"/>
-              </a:spcAft>
-              <a:buClr>
-                <a:schemeClr val="dk1"/>
-              </a:buClr>
-              <a:buSzPct val="61111"/>
-              <a:buFont typeface="Arial"/>
-              <a:buNone/>
-            </a:pPr>
-            <a:r>
               <a:rPr lang="zh-TW"/>
-              <a:t>  unsigned int ret = 0;</a:t>
-            </a:r>
-            <a:endParaRPr/>
-          </a:p>
-          <a:p>
-            <a:pPr indent="0" lvl="0" marL="0" rtl="0" algn="l">
-              <a:spcBef>
-                <a:spcPts val="1200"/>
-              </a:spcBef>
-              <a:spcAft>
-                <a:spcPts val="0"/>
-              </a:spcAft>
-              <a:buClr>
-                <a:schemeClr val="dk1"/>
-              </a:buClr>
-              <a:buSzPct val="61111"/>
-              <a:buFont typeface="Arial"/>
-              <a:buNone/>
-            </a:pPr>
-            <a:r>
-              <a:rPr lang="zh-TW"/>
-              <a:t>  for(int i = 0; i &lt; N-1; ++i)</a:t>
-            </a:r>
-            <a:endParaRPr/>
-          </a:p>
-          <a:p>
-            <a:pPr indent="0" lvl="0" marL="0" rtl="0" algn="l">
-              <a:spcBef>
-                <a:spcPts val="1200"/>
-              </a:spcBef>
-              <a:spcAft>
-                <a:spcPts val="0"/>
-              </a:spcAft>
-              <a:buClr>
-                <a:schemeClr val="dk1"/>
-              </a:buClr>
-              <a:buSzPct val="61111"/>
-              <a:buFont typeface="Arial"/>
-              <a:buNone/>
-            </a:pPr>
-            <a:r>
-              <a:rPr lang="zh-TW"/>
-              <a:t>	ret += distances[perm[i]][perm[i+1]];</a:t>
-            </a:r>
-            <a:endParaRPr/>
-          </a:p>
-          <a:p>
-            <a:pPr indent="0" lvl="0" marL="0" rtl="0" algn="l">
-              <a:spcBef>
-                <a:spcPts val="1200"/>
-              </a:spcBef>
-              <a:spcAft>
-                <a:spcPts val="0"/>
-              </a:spcAft>
-              <a:buClr>
-                <a:schemeClr val="dk1"/>
-              </a:buClr>
-              <a:buSzPct val="61111"/>
-              <a:buFont typeface="Arial"/>
-              <a:buNone/>
-            </a:pPr>
-            <a:r>
-              <a:rPr lang="zh-TW"/>
-              <a:t>  return ret;</a:t>
-            </a:r>
-            <a:endParaRPr/>
-          </a:p>
-          <a:p>
-            <a:pPr indent="0" lvl="0" marL="0" rtl="0" algn="l">
-              <a:spcBef>
-                <a:spcPts val="1200"/>
-              </a:spcBef>
-              <a:spcAft>
-                <a:spcPts val="1200"/>
-              </a:spcAft>
-              <a:buNone/>
-            </a:pPr>
-            <a:r>
-              <a:rPr lang="zh-TW"/>
-              <a:t>}</a:t>
+              <a:t>  	perm[k] += (perm[j] &lt;= perm[k]);</a:t>
             </a:r>
             <a:endParaRPr/>
           </a:p>
@@ -9328,7 +9480,7 @@
   <p:cSld>
     <p:spTree>
       <p:nvGrpSpPr>
-        <p:cNvPr id="129" name="Shape 129"/>
+        <p:cNvPr id="128" name="Shape 128"/>
         <p:cNvGrpSpPr/>
         <p:nvPr/>
       </p:nvGrpSpPr>
@@ -9342,7 +9494,7 @@
       </p:grpSpPr>
       <p:sp>
         <p:nvSpPr>
-          <p:cNvPr id="130" name="Google Shape;130;p25"/>
+          <p:cNvPr id="129" name="Google Shape;129;p25"/>
           <p:cNvSpPr txBox="1"/>
           <p:nvPr>
             <p:ph type="title"/>
@@ -9374,7 +9526,7 @@
             </a:pPr>
             <a:r>
               <a:rPr lang="zh-TW"/>
-              <a:t>Compare to get the shortest distance</a:t>
+              <a:t>create route permutations "on-the-fly" : N = 4</a:t>
             </a:r>
             <a:endParaRPr/>
           </a:p>
@@ -9382,7 +9534,7 @@
       </p:sp>
       <p:sp>
         <p:nvSpPr>
-          <p:cNvPr id="131" name="Google Shape;131;p25"/>
+          <p:cNvPr id="130" name="Google Shape;130;p25"/>
           <p:cNvSpPr txBox="1"/>
           <p:nvPr>
             <p:ph idx="1" type="body"/>
@@ -9410,16 +9562,47 @@
               <a:spcAft>
                 <a:spcPts val="0"/>
               </a:spcAft>
-              <a:buClr>
-                <a:schemeClr val="dk1"/>
-              </a:buClr>
-              <a:buSzPts val="1100"/>
-              <a:buFont typeface="Arial"/>
               <a:buNone/>
             </a:pPr>
             <a:r>
               <a:rPr lang="zh-TW"/>
-              <a:t>loop_compute: for( unsigned long int i_ = 0; i_ &lt; factorialN; i_ += 1 )</a:t>
+              <a:t>0: 0000 -&gt; 0(0 + </a:t>
+            </a:r>
+            <a:r>
+              <a:rPr lang="zh-TW">
+                <a:solidFill>
+                  <a:srgbClr val="FF9900"/>
+                </a:solidFill>
+              </a:rPr>
+              <a:t>1</a:t>
+            </a:r>
+            <a:r>
+              <a:rPr lang="zh-TW"/>
+              <a:t>)(0 + </a:t>
+            </a:r>
+            <a:r>
+              <a:rPr lang="zh-TW">
+                <a:solidFill>
+                  <a:srgbClr val="FF9900"/>
+                </a:solidFill>
+              </a:rPr>
+              <a:t>2</a:t>
+            </a:r>
+            <a:r>
+              <a:rPr lang="zh-TW"/>
+              <a:t>)(0 + </a:t>
+            </a:r>
+            <a:r>
+              <a:rPr lang="zh-TW">
+                <a:solidFill>
+                  <a:srgbClr val="FF9900"/>
+                </a:solidFill>
+              </a:rPr>
+              <a:t>3</a:t>
+            </a:r>
+            <a:r>
+              <a:rPr lang="zh-TW"/>
+              <a:t>) -&gt; 0123</a:t>
             </a:r>
             <a:endParaRPr/>
           </a:p>
@@ -9431,16 +9614,47 @@
               <a:spcAft>
                 <a:spcPts val="0"/>
               </a:spcAft>
-              <a:buClr>
-                <a:schemeClr val="dk1"/>
-              </a:buClr>
-              <a:buSzPts val="1100"/>
-              <a:buFont typeface="Arial"/>
               <a:buNone/>
             </a:pPr>
             <a:r>
               <a:rPr lang="zh-TW"/>
-              <a:t>  {</a:t>
+              <a:t>1: 0010 -&gt; 0(0 + </a:t>
+            </a:r>
+            <a:r>
+              <a:rPr lang="zh-TW">
+                <a:solidFill>
+                  <a:srgbClr val="FF9900"/>
+                </a:solidFill>
+              </a:rPr>
+              <a:t>1</a:t>
+            </a:r>
+            <a:r>
+              <a:rPr lang="zh-TW"/>
+              <a:t>)(1 + </a:t>
+            </a:r>
+            <a:r>
+              <a:rPr lang="zh-TW">
+                <a:solidFill>
+                  <a:srgbClr val="FF9900"/>
+                </a:solidFill>
+              </a:rPr>
+              <a:t>2</a:t>
+            </a:r>
+            <a:r>
+              <a:rPr lang="zh-TW"/>
+              <a:t>)(0 +</a:t>
+            </a:r>
+            <a:r>
+              <a:rPr lang="zh-TW">
+                <a:solidFill>
+                  <a:srgbClr val="FF9900"/>
+                </a:solidFill>
+              </a:rPr>
+              <a:t> 2</a:t>
+            </a:r>
+            <a:r>
+              <a:rPr lang="zh-TW"/>
+              <a:t>) -&gt; 0132</a:t>
             </a:r>
             <a:endParaRPr/>
           </a:p>
@@ -9452,16 +9666,59 @@
               <a:spcAft>
                 <a:spcPts val="0"/>
               </a:spcAft>
-              <a:buClr>
-                <a:schemeClr val="dk1"/>
-              </a:buClr>
-              <a:buSzPts val="1100"/>
-              <a:buFont typeface="Arial"/>
               <a:buNone/>
             </a:pPr>
             <a:r>
               <a:rPr lang="zh-TW"/>
-              <a:t>	#pragma HLS pipeline II=1</a:t>
+              <a:t>2: 0100</a:t>
+            </a:r>
+            <a:r>
+              <a:rPr lang="zh-TW"/>
+              <a:t> -&gt; 0(1 + </a:t>
+            </a:r>
+            <a:r>
+              <a:rPr lang="zh-TW">
+                <a:solidFill>
+                  <a:srgbClr val="FF9900"/>
+                </a:solidFill>
+              </a:rPr>
+              <a:t>1</a:t>
+            </a:r>
+            <a:r>
+              <a:rPr lang="zh-TW"/>
+              <a:t>)(0 + </a:t>
+            </a:r>
+            <a:r>
+              <a:rPr lang="zh-TW">
+                <a:solidFill>
+                  <a:srgbClr val="FF9900"/>
+                </a:solidFill>
+              </a:rPr>
+              <a:t>1</a:t>
+            </a:r>
+            <a:r>
+              <a:rPr lang="zh-TW"/>
+              <a:t>)</a:t>
+            </a:r>
+            <a:r>
+              <a:rPr b="1" lang="zh-TW"/>
+              <a:t>(0 + </a:t>
+            </a:r>
+            <a:r>
+              <a:rPr b="1" lang="zh-TW">
+                <a:solidFill>
+                  <a:srgbClr val="FF9900"/>
+                </a:solidFill>
+              </a:rPr>
+              <a:t>3</a:t>
+            </a:r>
+            <a:r>
+              <a:rPr b="1" lang="zh-TW"/>
+              <a:t>)</a:t>
+            </a:r>
+            <a:r>
+              <a:rPr lang="zh-TW"/>
+              <a:t> -&gt; 0213</a:t>
             </a:r>
             <a:endParaRPr/>
           </a:p>
@@ -9473,16 +9730,51 @@
               <a:spcAft>
                 <a:spcPts val="0"/>
               </a:spcAft>
-              <a:buClr>
-                <a:schemeClr val="dk1"/>
-              </a:buClr>
-              <a:buSzPts val="1100"/>
-              <a:buFont typeface="Arial"/>
               <a:buNone/>
             </a:pPr>
             <a:r>
               <a:rPr lang="zh-TW"/>
-              <a:t>	candidate = std::min(candidate, compute(i_, distances));</a:t>
+              <a:t>3: 0110</a:t>
+            </a:r>
+            <a:r>
+              <a:rPr lang="zh-TW"/>
+              <a:t> -&gt; 0(1 + </a:t>
+            </a:r>
+            <a:r>
+              <a:rPr lang="zh-TW">
+                <a:solidFill>
+                  <a:srgbClr val="FF9900"/>
+                </a:solidFill>
+              </a:rPr>
+              <a:t>1</a:t>
+            </a:r>
+            <a:r>
+              <a:rPr lang="zh-TW"/>
+              <a:t>)(1 + </a:t>
+            </a:r>
+            <a:r>
+              <a:rPr lang="zh-TW">
+                <a:solidFill>
+                  <a:srgbClr val="FF9900"/>
+                </a:solidFill>
+              </a:rPr>
+              <a:t>2</a:t>
+            </a:r>
+            <a:r>
+              <a:rPr lang="zh-TW"/>
+              <a:t>)(0 + </a:t>
+            </a:r>
+            <a:r>
+              <a:rPr lang="zh-TW">
+                <a:solidFill>
+                  <a:srgbClr val="FF9900"/>
+                </a:solidFill>
+              </a:rPr>
+              <a:t>1</a:t>
+            </a:r>
+            <a:r>
+              <a:rPr lang="zh-TW"/>
+              <a:t>) -&gt; 0231</a:t>
             </a:r>
             <a:endParaRPr/>
           </a:p>
@@ -9498,7 +9790,47 @@
             </a:pPr>
             <a:r>
               <a:rPr lang="zh-TW"/>
-              <a:t>  }</a:t>
+              <a:t>4: 0200</a:t>
+            </a:r>
+            <a:r>
+              <a:rPr lang="zh-TW"/>
+              <a:t> -&gt; 0(2 + </a:t>
+            </a:r>
+            <a:r>
+              <a:rPr lang="zh-TW">
+                <a:solidFill>
+                  <a:srgbClr val="FF9900"/>
+                </a:solidFill>
+              </a:rPr>
+              <a:t>1</a:t>
+            </a:r>
+            <a:r>
+              <a:rPr lang="zh-TW"/>
+              <a:t>)(0 + </a:t>
+            </a:r>
+            <a:r>
+              <a:rPr lang="zh-TW">
+                <a:solidFill>
+                  <a:srgbClr val="FF9900"/>
+                </a:solidFill>
+              </a:rPr>
+              <a:t>1</a:t>
+            </a:r>
+            <a:r>
+              <a:rPr lang="zh-TW"/>
+              <a:t>)(0 + </a:t>
+            </a:r>
+            <a:r>
+              <a:rPr lang="zh-TW">
+                <a:solidFill>
+                  <a:srgbClr val="FF9900"/>
+                </a:solidFill>
+              </a:rPr>
+              <a:t>2</a:t>
+            </a:r>
+            <a:r>
+              <a:rPr lang="zh-TW"/>
+              <a:t>) -&gt; 0312</a:t>
             </a:r>
             <a:endParaRPr/>
           </a:p>
@@ -9508,34 +9840,53 @@
                 <a:spcPts val="1200"/>
               </a:spcBef>
               <a:spcAft>
-                <a:spcPts val="0"/>
-              </a:spcAft>
-              <a:buClr>
-                <a:schemeClr val="dk1"/>
-              </a:buClr>
-              <a:buSzPts val="1100"/>
-              <a:buFont typeface="Arial"/>
+                <a:spcPts val="1200"/>
+              </a:spcAft>
               <a:buNone/>
             </a:pPr>
             <a:r>
               <a:rPr lang="zh-TW"/>
-              <a:t>// Last candidate from loop above holds the shortest distance</a:t>
-            </a:r>
-            <a:endParaRPr/>
-          </a:p>
-          <a:p>
-            <a:pPr indent="0" lvl="0" marL="0" rtl="0" algn="l">
-              <a:spcBef>
-                <a:spcPts val="1200"/>
-              </a:spcBef>
-              <a:spcAft>
-                <a:spcPts val="1200"/>
-              </a:spcAft>
-              <a:buNone/>
-            </a:pPr>
+              <a:t>5: 0210</a:t>
+            </a:r>
             <a:r>
               <a:rPr lang="zh-TW"/>
-              <a:t> shortestDistance = candidate;</a:t>
+              <a:t> -&gt; 0(2 + </a:t>
+            </a:r>
+            <a:r>
+              <a:rPr lang="zh-TW">
+                <a:solidFill>
+                  <a:srgbClr val="FF9900"/>
+                </a:solidFill>
+              </a:rPr>
+              <a:t>1</a:t>
+            </a:r>
+            <a:r>
+              <a:rPr lang="zh-TW"/>
+              <a:t>)(1 +</a:t>
+            </a:r>
+            <a:r>
+              <a:rPr lang="zh-TW">
+                <a:solidFill>
+                  <a:srgbClr val="FF9900"/>
+                </a:solidFill>
+              </a:rPr>
+              <a:t> 1</a:t>
+            </a:r>
+            <a:r>
+              <a:rPr lang="zh-TW"/>
+              <a:t>)(0 + </a:t>
+            </a:r>
+            <a:r>
+              <a:rPr lang="zh-TW">
+                <a:solidFill>
+                  <a:srgbClr val="FF9900"/>
+                </a:solidFill>
+              </a:rPr>
+              <a:t>1</a:t>
+            </a:r>
+            <a:r>
+              <a:rPr lang="zh-TW"/>
+              <a:t>) -&gt; 0321</a:t>
             </a:r>
             <a:endParaRPr/>
           </a:p>
@@ -9554,7 +9905,7 @@
   <p:cSld>
     <p:spTree>
       <p:nvGrpSpPr>
-        <p:cNvPr id="135" name="Shape 135"/>
+        <p:cNvPr id="134" name="Shape 134"/>
         <p:cNvGrpSpPr/>
         <p:nvPr/>
       </p:nvGrpSpPr>
@@ -9568,7 +9919,7 @@
       </p:grpSpPr>
       <p:sp>
         <p:nvSpPr>
-          <p:cNvPr id="136" name="Google Shape;136;p26"/>
+          <p:cNvPr id="135" name="Google Shape;135;p26"/>
           <p:cNvSpPr txBox="1"/>
           <p:nvPr>
             <p:ph type="title"/>
@@ -9576,20 +9927,20 @@
         </p:nvSpPr>
         <p:spPr>
           <a:xfrm>
-            <a:off x="311700" y="2150850"/>
-            <a:ext cx="8520600" cy="841800"/>
+            <a:off x="311700" y="445025"/>
+            <a:ext cx="8520600" cy="572700"/>
           </a:xfrm>
           <a:prstGeom prst="rect">
             <a:avLst/>
           </a:prstGeom>
         </p:spPr>
         <p:txBody>
-          <a:bodyPr anchorCtr="0" anchor="ctr" bIns="91425" lIns="91425" spcFirstLastPara="1" rIns="91425" wrap="square" tIns="91425">
-            <a:normAutofit/>
+          <a:bodyPr anchorCtr="0" anchor="t" bIns="91425" lIns="91425" spcFirstLastPara="1" rIns="91425" wrap="square" tIns="91425">
+            <a:normAutofit fontScale="90000"/>
           </a:bodyPr>
           <a:lstStyle/>
           <a:p>
-            <a:pPr indent="0" lvl="0" marL="0" rtl="0" algn="ctr">
+            <a:pPr indent="0" lvl="0" marL="0" rtl="0" algn="l">
               <a:spcBef>
                 <a:spcPts val="0"/>
               </a:spcBef>
@@ -9600,7 +9951,243 @@
             </a:pPr>
             <a:r>
               <a:rPr lang="zh-TW"/>
-              <a:t>Result</a:t>
+              <a:t>lookup permutation from Distances (small, onto </a:t>
+            </a:r>
+            <a:r>
+              <a:rPr b="1" lang="zh-TW"/>
+              <a:t>on-chip</a:t>
+            </a:r>
+            <a:r>
+              <a:rPr lang="zh-TW"/>
+              <a:t>)</a:t>
+            </a:r>
+            <a:endParaRPr/>
+          </a:p>
+        </p:txBody>
+      </p:sp>
+      <p:sp>
+        <p:nvSpPr>
+          <p:cNvPr id="136" name="Google Shape;136;p26"/>
+          <p:cNvSpPr txBox="1"/>
+          <p:nvPr>
+            <p:ph idx="1" type="body"/>
+          </p:nvPr>
+        </p:nvSpPr>
+        <p:spPr>
+          <a:xfrm>
+            <a:off x="311700" y="1152475"/>
+            <a:ext cx="8520600" cy="3416400"/>
+          </a:xfrm>
+          <a:prstGeom prst="rect">
+            <a:avLst/>
+          </a:prstGeom>
+        </p:spPr>
+        <p:txBody>
+          <a:bodyPr anchorCtr="0" anchor="t" bIns="91425" lIns="91425" spcFirstLastPara="1" rIns="91425" wrap="square" tIns="91425">
+            <a:normAutofit fontScale="70000" lnSpcReduction="20000"/>
+          </a:bodyPr>
+          <a:lstStyle/>
+          <a:p>
+            <a:pPr indent="0" lvl="0" marL="0" rtl="0" algn="l">
+              <a:spcBef>
+                <a:spcPts val="0"/>
+              </a:spcBef>
+              <a:spcAft>
+                <a:spcPts val="0"/>
+              </a:spcAft>
+              <a:buClr>
+                <a:schemeClr val="dk1"/>
+              </a:buClr>
+              <a:buSzPct val="61111"/>
+              <a:buFont typeface="Arial"/>
+              <a:buNone/>
+            </a:pPr>
+            <a:r>
+              <a:rPr lang="zh-TW"/>
+              <a:t>template&lt;typename T&gt;</a:t>
+            </a:r>
+            <a:endParaRPr/>
+          </a:p>
+          <a:p>
+            <a:pPr indent="0" lvl="0" marL="0" rtl="0" algn="l">
+              <a:spcBef>
+                <a:spcPts val="1200"/>
+              </a:spcBef>
+              <a:spcAft>
+                <a:spcPts val="0"/>
+              </a:spcAft>
+              <a:buClr>
+                <a:schemeClr val="dk1"/>
+              </a:buClr>
+              <a:buSzPct val="61111"/>
+              <a:buFont typeface="Arial"/>
+              <a:buNone/>
+            </a:pPr>
+            <a:r>
+              <a:rPr lang="zh-TW"/>
+              <a:t>unsigned int getDistance(const T perm[N], const uint16_t distances[N][N])</a:t>
+            </a:r>
+            <a:endParaRPr/>
+          </a:p>
+          <a:p>
+            <a:pPr indent="0" lvl="0" marL="0" rtl="0" algn="l">
+              <a:spcBef>
+                <a:spcPts val="1200"/>
+              </a:spcBef>
+              <a:spcAft>
+                <a:spcPts val="0"/>
+              </a:spcAft>
+              <a:buClr>
+                <a:schemeClr val="dk1"/>
+              </a:buClr>
+              <a:buSzPct val="61111"/>
+              <a:buFont typeface="Arial"/>
+              <a:buNone/>
+            </a:pPr>
+            <a:r>
+              <a:rPr lang="zh-TW"/>
+              <a:t>{</a:t>
+            </a:r>
+            <a:endParaRPr/>
+          </a:p>
+          <a:p>
+            <a:pPr indent="0" lvl="0" marL="0" rtl="0" algn="l">
+              <a:spcBef>
+                <a:spcPts val="1200"/>
+              </a:spcBef>
+              <a:spcAft>
+                <a:spcPts val="0"/>
+              </a:spcAft>
+              <a:buClr>
+                <a:schemeClr val="dk1"/>
+              </a:buClr>
+              <a:buSzPct val="61111"/>
+              <a:buFont typeface="Arial"/>
+              <a:buNone/>
+            </a:pPr>
+            <a:r>
+              <a:rPr lang="zh-TW"/>
+              <a:t>  #pragma HLS INLINE</a:t>
+            </a:r>
+            <a:endParaRPr/>
+          </a:p>
+          <a:p>
+            <a:pPr indent="0" lvl="0" marL="0" rtl="0" algn="l">
+              <a:spcBef>
+                <a:spcPts val="1200"/>
+              </a:spcBef>
+              <a:spcAft>
+                <a:spcPts val="0"/>
+              </a:spcAft>
+              <a:buClr>
+                <a:schemeClr val="dk1"/>
+              </a:buClr>
+              <a:buSzPct val="61111"/>
+              <a:buFont typeface="Arial"/>
+              <a:buNone/>
+            </a:pPr>
+            <a:r>
+              <a:t/>
+            </a:r>
+            <a:endParaRPr/>
+          </a:p>
+          <a:p>
+            <a:pPr indent="0" lvl="0" marL="0" rtl="0" algn="l">
+              <a:spcBef>
+                <a:spcPts val="1200"/>
+              </a:spcBef>
+              <a:spcAft>
+                <a:spcPts val="0"/>
+              </a:spcAft>
+              <a:buClr>
+                <a:schemeClr val="dk1"/>
+              </a:buClr>
+              <a:buSzPct val="61111"/>
+              <a:buFont typeface="Arial"/>
+              <a:buNone/>
+            </a:pPr>
+            <a:r>
+              <a:rPr lang="zh-TW"/>
+              <a:t>  unsigned int ret = 0;</a:t>
+            </a:r>
+            <a:endParaRPr/>
+          </a:p>
+          <a:p>
+            <a:pPr indent="0" lvl="0" marL="0" rtl="0" algn="l">
+              <a:spcBef>
+                <a:spcPts val="1200"/>
+              </a:spcBef>
+              <a:spcAft>
+                <a:spcPts val="0"/>
+              </a:spcAft>
+              <a:buClr>
+                <a:schemeClr val="dk1"/>
+              </a:buClr>
+              <a:buSzPct val="61111"/>
+              <a:buFont typeface="Arial"/>
+              <a:buNone/>
+            </a:pPr>
+            <a:r>
+              <a:rPr lang="zh-TW"/>
+              <a:t>  for(int i = 0; i &lt; N-1; ++i)</a:t>
+            </a:r>
+            <a:endParaRPr/>
+          </a:p>
+          <a:p>
+            <a:pPr indent="0" lvl="0" marL="0" rtl="0" algn="l">
+              <a:spcBef>
+                <a:spcPts val="1200"/>
+              </a:spcBef>
+              <a:spcAft>
+                <a:spcPts val="0"/>
+              </a:spcAft>
+              <a:buClr>
+                <a:schemeClr val="dk1"/>
+              </a:buClr>
+              <a:buSzPct val="61111"/>
+              <a:buFont typeface="Arial"/>
+              <a:buNone/>
+            </a:pPr>
+            <a:r>
+              <a:rPr lang="zh-TW"/>
+              <a:t>	ret += distances[perm[i]][perm[i+1]];</a:t>
+            </a:r>
+            <a:endParaRPr/>
+          </a:p>
+          <a:p>
+            <a:pPr indent="0" lvl="0" marL="0" rtl="0" algn="l">
+              <a:spcBef>
+                <a:spcPts val="1200"/>
+              </a:spcBef>
+              <a:spcAft>
+                <a:spcPts val="0"/>
+              </a:spcAft>
+              <a:buClr>
+                <a:schemeClr val="dk1"/>
+              </a:buClr>
+              <a:buSzPct val="61111"/>
+              <a:buFont typeface="Arial"/>
+              <a:buNone/>
+            </a:pPr>
+            <a:r>
+              <a:rPr lang="zh-TW"/>
+              <a:t>  return ret;</a:t>
+            </a:r>
+            <a:endParaRPr/>
+          </a:p>
+          <a:p>
+            <a:pPr indent="0" lvl="0" marL="0" rtl="0" algn="l">
+              <a:spcBef>
+                <a:spcPts val="1200"/>
+              </a:spcBef>
+              <a:spcAft>
+                <a:spcPts val="1200"/>
+              </a:spcAft>
+              <a:buNone/>
+            </a:pPr>
+            <a:r>
+              <a:rPr lang="zh-TW"/>
+              <a:t>}</a:t>
             </a:r>
             <a:endParaRPr/>
           </a:p>
@@ -9665,7 +10252,7 @@
             </a:pPr>
             <a:r>
               <a:rPr lang="zh-TW"/>
-              <a:t>Algorism and first attempt</a:t>
+              <a:t>Compare to get the shortest distance</a:t>
             </a:r>
             <a:endParaRPr/>
           </a:p>
@@ -9694,139 +10281,9 @@
           </a:bodyPr>
           <a:lstStyle/>
           <a:p>
-            <a:pPr indent="-342900" lvl="0" marL="457200" rtl="0" algn="l">
-              <a:spcBef>
-                <a:spcPts val="0"/>
-              </a:spcBef>
-              <a:spcAft>
-                <a:spcPts val="0"/>
-              </a:spcAft>
-              <a:buSzPts val="1800"/>
-              <a:buChar char="-"/>
-            </a:pPr>
-            <a:r>
-              <a:rPr lang="zh-TW"/>
-              <a:t>Test each possible combination of cities with a recursive loop</a:t>
-            </a:r>
-            <a:endParaRPr/>
-          </a:p>
-          <a:p>
-            <a:pPr indent="-342900" lvl="0" marL="457200" rtl="0" algn="l">
-              <a:spcBef>
-                <a:spcPts val="0"/>
-              </a:spcBef>
-              <a:spcAft>
-                <a:spcPts val="0"/>
-              </a:spcAft>
-              <a:buClr>
-                <a:srgbClr val="9900FF"/>
-              </a:buClr>
-              <a:buSzPts val="1800"/>
-              <a:buChar char="-"/>
-            </a:pPr>
-            <a:r>
-              <a:rPr lang="zh-TW">
-                <a:solidFill>
-                  <a:srgbClr val="9900FF"/>
-                </a:solidFill>
-              </a:rPr>
-              <a:t>cd CPU_POC</a:t>
-            </a:r>
-            <a:endParaRPr>
-              <a:solidFill>
-                <a:srgbClr val="9900FF"/>
-              </a:solidFill>
-            </a:endParaRPr>
-          </a:p>
-          <a:p>
-            <a:pPr indent="-342900" lvl="0" marL="457200" rtl="0" algn="l">
-              <a:spcBef>
-                <a:spcPts val="0"/>
-              </a:spcBef>
-              <a:spcAft>
-                <a:spcPts val="0"/>
-              </a:spcAft>
-              <a:buClr>
-                <a:srgbClr val="9900FF"/>
-              </a:buClr>
-              <a:buSzPts val="1800"/>
-              <a:buChar char="-"/>
-            </a:pPr>
-            <a:r>
-              <a:rPr lang="zh-TW">
-                <a:solidFill>
-                  <a:srgbClr val="9900FF"/>
-                </a:solidFill>
-              </a:rPr>
-              <a:t>g++ -O3 main_gold.cpp &amp;&amp; ./a.out</a:t>
-            </a:r>
-            <a:endParaRPr>
-              <a:solidFill>
-                <a:srgbClr val="9900FF"/>
-              </a:solidFill>
-            </a:endParaRPr>
-          </a:p>
-          <a:p>
             <a:pPr indent="0" lvl="0" marL="0" rtl="0" algn="l">
               <a:spcBef>
-                <a:spcPts val="1200"/>
-              </a:spcBef>
-              <a:spcAft>
-                <a:spcPts val="0"/>
-              </a:spcAft>
-              <a:buNone/>
-            </a:pPr>
-            <a:r>
-              <a:t/>
-            </a:r>
-            <a:endParaRPr>
-              <a:solidFill>
-                <a:srgbClr val="9900FF"/>
-              </a:solidFill>
-            </a:endParaRPr>
-          </a:p>
-          <a:p>
-            <a:pPr indent="0" lvl="0" marL="0" rtl="0" algn="l">
-              <a:spcBef>
-                <a:spcPts val="1200"/>
-              </a:spcBef>
-              <a:spcAft>
-                <a:spcPts val="0"/>
-              </a:spcAft>
-              <a:buNone/>
-            </a:pPr>
-            <a:r>
-              <a:t/>
-            </a:r>
-            <a:endParaRPr>
-              <a:solidFill>
-                <a:srgbClr val="9900FF"/>
-              </a:solidFill>
-            </a:endParaRPr>
-          </a:p>
-          <a:p>
-            <a:pPr indent="0" lvl="0" marL="0" rtl="0" algn="l">
-              <a:spcBef>
-                <a:spcPts val="1200"/>
-              </a:spcBef>
-              <a:spcAft>
-                <a:spcPts val="0"/>
-              </a:spcAft>
-              <a:buNone/>
-            </a:pPr>
-            <a:r>
-              <a:t/>
-            </a:r>
-            <a:endParaRPr>
-              <a:solidFill>
-                <a:srgbClr val="9900FF"/>
-              </a:solidFill>
-            </a:endParaRPr>
-          </a:p>
-          <a:p>
-            <a:pPr indent="-342900" lvl="0" marL="457200" rtl="0" algn="l">
-              <a:spcBef>
-                <a:spcPts val="1200"/>
+                <a:spcPts val="0"/>
               </a:spcBef>
               <a:spcAft>
                 <a:spcPts val="0"/>
@@ -9834,53 +10291,134 @@
               <a:buClr>
                 <a:schemeClr val="dk1"/>
               </a:buClr>
-              <a:buSzPts val="1800"/>
-              <a:buChar char="-"/>
-            </a:pPr>
-            <a:r>
-              <a:rPr lang="zh-TW">
-                <a:solidFill>
-                  <a:schemeClr val="dk1"/>
-                </a:solidFill>
-              </a:rPr>
-              <a:t>Without hardware accelerator, this takes over a minute.</a:t>
-            </a:r>
-            <a:endParaRPr>
-              <a:solidFill>
+              <a:buSzPts val="1100"/>
+              <a:buFont typeface="Arial"/>
+              <a:buNone/>
+            </a:pPr>
+            <a:r>
+              <a:rPr lang="zh-TW"/>
+              <a:t>loop_compute: for( unsigned long int i_ = 0; i_ &lt; factorialN; i_ += 1 )</a:t>
+            </a:r>
+            <a:endParaRPr/>
+          </a:p>
+          <a:p>
+            <a:pPr indent="0" lvl="0" marL="0" rtl="0" algn="l">
+              <a:spcBef>
+                <a:spcPts val="1200"/>
+              </a:spcBef>
+              <a:spcAft>
+                <a:spcPts val="0"/>
+              </a:spcAft>
+              <a:buClr>
                 <a:schemeClr val="dk1"/>
-              </a:solidFill>
-            </a:endParaRPr>
+              </a:buClr>
+              <a:buSzPts val="1100"/>
+              <a:buFont typeface="Arial"/>
+              <a:buNone/>
+            </a:pPr>
+            <a:r>
+              <a:rPr lang="zh-TW"/>
+              <a:t>  {</a:t>
+            </a:r>
+            <a:endParaRPr/>
+          </a:p>
+          <a:p>
+            <a:pPr indent="0" lvl="0" marL="0" rtl="0" algn="l">
+              <a:spcBef>
+                <a:spcPts val="1200"/>
+              </a:spcBef>
+              <a:spcAft>
+                <a:spcPts val="0"/>
+              </a:spcAft>
+              <a:buClr>
+                <a:schemeClr val="dk1"/>
+              </a:buClr>
+              <a:buSzPts val="1100"/>
+              <a:buFont typeface="Arial"/>
+              <a:buNone/>
+            </a:pPr>
+            <a:r>
+              <a:rPr lang="zh-TW"/>
+              <a:t>	#pragma HLS pipeline II=1</a:t>
+            </a:r>
+            <a:endParaRPr/>
+          </a:p>
+          <a:p>
+            <a:pPr indent="0" lvl="0" marL="0" rtl="0" algn="l">
+              <a:spcBef>
+                <a:spcPts val="1200"/>
+              </a:spcBef>
+              <a:spcAft>
+                <a:spcPts val="0"/>
+              </a:spcAft>
+              <a:buClr>
+                <a:schemeClr val="dk1"/>
+              </a:buClr>
+              <a:buSzPts val="1100"/>
+              <a:buFont typeface="Arial"/>
+              <a:buNone/>
+            </a:pPr>
+            <a:r>
+              <a:rPr lang="zh-TW"/>
+              <a:t>	candidate = std::min(candidate, compute(i_, distances));</a:t>
+            </a:r>
+            <a:endParaRPr/>
+          </a:p>
+          <a:p>
+            <a:pPr indent="0" lvl="0" marL="0" rtl="0" algn="l">
+              <a:spcBef>
+                <a:spcPts val="1200"/>
+              </a:spcBef>
+              <a:spcAft>
+                <a:spcPts val="0"/>
+              </a:spcAft>
+              <a:buNone/>
+            </a:pPr>
+            <a:r>
+              <a:rPr lang="zh-TW"/>
+              <a:t>  }</a:t>
+            </a:r>
+            <a:endParaRPr/>
+          </a:p>
+          <a:p>
+            <a:pPr indent="0" lvl="0" marL="0" rtl="0" algn="l">
+              <a:spcBef>
+                <a:spcPts val="1200"/>
+              </a:spcBef>
+              <a:spcAft>
+                <a:spcPts val="0"/>
+              </a:spcAft>
+              <a:buClr>
+                <a:schemeClr val="dk1"/>
+              </a:buClr>
+              <a:buSzPts val="1100"/>
+              <a:buFont typeface="Arial"/>
+              <a:buNone/>
+            </a:pPr>
+            <a:r>
+              <a:rPr lang="zh-TW"/>
+              <a:t>// Last candidate from loop above holds the shortest distance</a:t>
+            </a:r>
+            <a:endParaRPr/>
+          </a:p>
+          <a:p>
+            <a:pPr indent="0" lvl="0" marL="0" rtl="0" algn="l">
+              <a:spcBef>
+                <a:spcPts val="1200"/>
+              </a:spcBef>
+              <a:spcAft>
+                <a:spcPts val="1200"/>
+              </a:spcAft>
+              <a:buNone/>
+            </a:pPr>
+            <a:r>
+              <a:rPr lang="zh-TW"/>
+              <a:t> shortestDistance = candidate;</a:t>
+            </a:r>
+            <a:endParaRPr/>
           </a:p>
         </p:txBody>
       </p:sp>
-      <p:pic>
-        <p:nvPicPr>
-          <p:cNvPr id="143" name="Google Shape;143;p27"/>
-          <p:cNvPicPr preferRelativeResize="0"/>
-          <p:nvPr/>
-        </p:nvPicPr>
-        <p:blipFill>
-          <a:blip r:embed="rId3">
-            <a:alphaModFix/>
-          </a:blip>
-          <a:stretch>
-            <a:fillRect/>
-          </a:stretch>
-        </p:blipFill>
-        <p:spPr>
-          <a:xfrm>
-            <a:off x="311700" y="2235700"/>
-            <a:ext cx="9144000" cy="1381125"/>
-          </a:xfrm>
-          <a:prstGeom prst="rect">
-            <a:avLst/>
-          </a:prstGeom>
-          <a:noFill/>
-          <a:ln>
-            <a:noFill/>
-          </a:ln>
-        </p:spPr>
-      </p:pic>
     </p:spTree>
   </p:cSld>
   <p:clrMapOvr>
@@ -9894,7 +10432,7 @@
   <p:cSld>
     <p:spTree>
       <p:nvGrpSpPr>
-        <p:cNvPr id="147" name="Shape 147"/>
+        <p:cNvPr id="146" name="Shape 146"/>
         <p:cNvGrpSpPr/>
         <p:nvPr/>
       </p:nvGrpSpPr>
@@ -9908,7 +10446,7 @@
       </p:grpSpPr>
       <p:sp>
         <p:nvSpPr>
-          <p:cNvPr id="148" name="Google Shape;148;p28"/>
+          <p:cNvPr id="147" name="Google Shape;147;p28"/>
           <p:cNvSpPr txBox="1"/>
           <p:nvPr>
             <p:ph type="title"/>
@@ -9916,6 +10454,71 @@
         </p:nvSpPr>
         <p:spPr>
           <a:xfrm>
+            <a:off x="311700" y="2150850"/>
+            <a:ext cx="8520600" cy="841800"/>
+          </a:xfrm>
+          <a:prstGeom prst="rect">
+            <a:avLst/>
+          </a:prstGeom>
+        </p:spPr>
+        <p:txBody>
+          <a:bodyPr anchorCtr="0" anchor="ctr" bIns="91425" lIns="91425" spcFirstLastPara="1" rIns="91425" wrap="square" tIns="91425">
+            <a:normAutofit/>
+          </a:bodyPr>
+          <a:lstStyle/>
+          <a:p>
+            <a:pPr indent="0" lvl="0" marL="0" rtl="0" algn="ctr">
+              <a:spcBef>
+                <a:spcPts val="0"/>
+              </a:spcBef>
+              <a:spcAft>
+                <a:spcPts val="0"/>
+              </a:spcAft>
+              <a:buNone/>
+            </a:pPr>
+            <a:r>
+              <a:rPr lang="zh-TW"/>
+              <a:t>Result</a:t>
+            </a:r>
+            <a:endParaRPr/>
+          </a:p>
+        </p:txBody>
+      </p:sp>
+    </p:spTree>
+  </p:cSld>
+  <p:clrMapOvr>
+    <a:masterClrMapping/>
+  </p:clrMapOvr>
+</p:sld>
+</file>
+
+<file path=ppt/slides/slide16.xml><?xml version="1.0" encoding="utf-8"?>
+<p:sld xmlns:a="http://schemas.openxmlformats.org/drawingml/2006/main" xmlns:r="http://schemas.openxmlformats.org/officeDocument/2006/relationships" xmlns:mc="http://schemas.openxmlformats.org/markup-compatibility/2006" xmlns:mv="urn:schemas-microsoft-com:mac:vml" xmlns:p="http://schemas.openxmlformats.org/presentationml/2006/main" xmlns:c="http://schemas.openxmlformats.org/drawingml/2006/chart" xmlns:dgm="http://schemas.openxmlformats.org/drawingml/2006/diagram" xmlns:o="urn:schemas-microsoft-com:office:office" xmlns:v="urn:schemas-microsoft-com:vml" xmlns:pvml="urn:schemas-microsoft-com:office:powerpoint" xmlns:com="http://schemas.openxmlformats.org/drawingml/2006/compatibility" xmlns:p14="http://schemas.microsoft.com/office/powerpoint/2010/main" xmlns:p15="http://schemas.microsoft.com/office/powerpoint/2012/main" xmlns:ahyp="http://schemas.microsoft.com/office/drawing/2018/hyperlinkcolor">
+  <p:cSld>
+    <p:spTree>
+      <p:nvGrpSpPr>
+        <p:cNvPr id="151" name="Shape 151"/>
+        <p:cNvGrpSpPr/>
+        <p:nvPr/>
+      </p:nvGrpSpPr>
+      <p:grpSpPr>
+        <a:xfrm>
+          <a:off x="0" y="0"/>
+          <a:ext cx="0" cy="0"/>
+          <a:chOff x="0" y="0"/>
+          <a:chExt cx="0" cy="0"/>
+        </a:xfrm>
+      </p:grpSpPr>
+      <p:sp>
+        <p:nvSpPr>
+          <p:cNvPr id="152" name="Google Shape;152;p29"/>
+          <p:cNvSpPr txBox="1"/>
+          <p:nvPr>
+            <p:ph type="title"/>
+          </p:nvPr>
+        </p:nvSpPr>
+        <p:spPr>
+          <a:xfrm>
             <a:off x="311700" y="445025"/>
             <a:ext cx="8520600" cy="572700"/>
           </a:xfrm>
@@ -9940,11 +10543,7 @@
             </a:pPr>
             <a:r>
               <a:rPr lang="zh-TW"/>
-              <a:t>Run Vitis HLS C Simulation</a:t>
-            </a:r>
-            <a:r>
-              <a:rPr lang="zh-TW"/>
-              <a:t> (N = 5)</a:t>
+              <a:t>Algorism and first attempt</a:t>
             </a:r>
             <a:endParaRPr/>
           </a:p>
@@ -9952,7 +10551,7 @@
       </p:sp>
       <p:sp>
         <p:nvSpPr>
-          <p:cNvPr id="149" name="Google Shape;149;p28"/>
+          <p:cNvPr id="153" name="Google Shape;153;p29"/>
           <p:cNvSpPr txBox="1"/>
           <p:nvPr>
             <p:ph idx="1" type="body"/>
@@ -9973,25 +10572,168 @@
           </a:bodyPr>
           <a:lstStyle/>
           <a:p>
+            <a:pPr indent="-342900" lvl="0" marL="457200" rtl="0" algn="l">
+              <a:spcBef>
+                <a:spcPts val="0"/>
+              </a:spcBef>
+              <a:spcAft>
+                <a:spcPts val="0"/>
+              </a:spcAft>
+              <a:buSzPts val="1800"/>
+              <a:buChar char="-"/>
+            </a:pPr>
+            <a:r>
+              <a:rPr lang="zh-TW"/>
+              <a:t>Test each possible combination of cities with a recursive loop</a:t>
+            </a:r>
+            <a:endParaRPr/>
+          </a:p>
+          <a:p>
+            <a:pPr indent="-342900" lvl="0" marL="457200" rtl="0" algn="l">
+              <a:spcBef>
+                <a:spcPts val="0"/>
+              </a:spcBef>
+              <a:spcAft>
+                <a:spcPts val="0"/>
+              </a:spcAft>
+              <a:buClr>
+                <a:srgbClr val="9900FF"/>
+              </a:buClr>
+              <a:buSzPts val="1800"/>
+              <a:buChar char="-"/>
+            </a:pPr>
+            <a:r>
+              <a:rPr lang="zh-TW">
+                <a:solidFill>
+                  <a:srgbClr val="9900FF"/>
+                </a:solidFill>
+              </a:rPr>
+              <a:t>cd CPU_POC</a:t>
+            </a:r>
+            <a:endParaRPr>
+              <a:solidFill>
+                <a:srgbClr val="9900FF"/>
+              </a:solidFill>
+            </a:endParaRPr>
+          </a:p>
+          <a:p>
+            <a:pPr indent="-342900" lvl="0" marL="457200" rtl="0" algn="l">
+              <a:spcBef>
+                <a:spcPts val="0"/>
+              </a:spcBef>
+              <a:spcAft>
+                <a:spcPts val="0"/>
+              </a:spcAft>
+              <a:buClr>
+                <a:srgbClr val="9900FF"/>
+              </a:buClr>
+              <a:buSzPts val="1800"/>
+              <a:buChar char="-"/>
+            </a:pPr>
+            <a:r>
+              <a:rPr lang="zh-TW">
+                <a:solidFill>
+                  <a:srgbClr val="9900FF"/>
+                </a:solidFill>
+              </a:rPr>
+              <a:t>g++ -O3 main_gold.cpp &amp;&amp; ./a.out</a:t>
+            </a:r>
+            <a:endParaRPr>
+              <a:solidFill>
+                <a:srgbClr val="9900FF"/>
+              </a:solidFill>
+            </a:endParaRPr>
+          </a:p>
+          <a:p>
             <a:pPr indent="0" lvl="0" marL="0" rtl="0" algn="l">
               <a:spcBef>
-                <a:spcPts val="0"/>
-              </a:spcBef>
-              <a:spcAft>
                 <a:spcPts val="1200"/>
+              </a:spcBef>
+              <a:spcAft>
+                <a:spcPts val="0"/>
               </a:spcAft>
               <a:buNone/>
             </a:pPr>
             <a:r>
               <a:t/>
             </a:r>
-            <a:endParaRPr/>
+            <a:endParaRPr>
+              <a:solidFill>
+                <a:srgbClr val="9900FF"/>
+              </a:solidFill>
+            </a:endParaRPr>
+          </a:p>
+          <a:p>
+            <a:pPr indent="0" lvl="0" marL="0" rtl="0" algn="l">
+              <a:spcBef>
+                <a:spcPts val="1200"/>
+              </a:spcBef>
+              <a:spcAft>
+                <a:spcPts val="0"/>
+              </a:spcAft>
+              <a:buNone/>
+            </a:pPr>
+            <a:r>
+              <a:t/>
+            </a:r>
+            <a:endParaRPr>
+              <a:solidFill>
+                <a:srgbClr val="9900FF"/>
+              </a:solidFill>
+            </a:endParaRPr>
+          </a:p>
+          <a:p>
+            <a:pPr indent="0" lvl="0" marL="0" rtl="0" algn="l">
+              <a:spcBef>
+                <a:spcPts val="1200"/>
+              </a:spcBef>
+              <a:spcAft>
+                <a:spcPts val="0"/>
+              </a:spcAft>
+              <a:buNone/>
+            </a:pPr>
+            <a:r>
+              <a:t/>
+            </a:r>
+            <a:endParaRPr>
+              <a:solidFill>
+                <a:srgbClr val="9900FF"/>
+              </a:solidFill>
+            </a:endParaRPr>
+          </a:p>
+          <a:p>
+            <a:pPr indent="-342900" lvl="0" marL="457200" rtl="0" algn="l">
+              <a:spcBef>
+                <a:spcPts val="1200"/>
+              </a:spcBef>
+              <a:spcAft>
+                <a:spcPts val="0"/>
+              </a:spcAft>
+              <a:buClr>
+                <a:schemeClr val="dk1"/>
+              </a:buClr>
+              <a:buSzPts val="1800"/>
+              <a:buChar char="-"/>
+            </a:pPr>
+            <a:r>
+              <a:rPr lang="zh-TW">
+                <a:solidFill>
+                  <a:schemeClr val="dk1"/>
+                </a:solidFill>
+              </a:rPr>
+              <a:t>Without hardware accelerator, this takes over a minute.</a:t>
+            </a:r>
+            <a:endParaRPr>
+              <a:solidFill>
+                <a:schemeClr val="dk1"/>
+              </a:solidFill>
+            </a:endParaRPr>
           </a:p>
         </p:txBody>
       </p:sp>
       <p:pic>
         <p:nvPicPr>
-          <p:cNvPr id="150" name="Google Shape;150;p28"/>
+          <p:cNvPr id="154" name="Google Shape;154;p29"/>
           <p:cNvPicPr preferRelativeResize="0"/>
           <p:nvPr/>
         </p:nvPicPr>
@@ -10005,8 +10747,8 @@
         </p:blipFill>
         <p:spPr>
           <a:xfrm>
-            <a:off x="1647950" y="849225"/>
-            <a:ext cx="5848101" cy="4022900"/>
+            <a:off x="311700" y="2235700"/>
+            <a:ext cx="9144000" cy="1381125"/>
           </a:xfrm>
           <a:prstGeom prst="rect">
             <a:avLst/>
@@ -10017,9 +10759,145 @@
           </a:ln>
         </p:spPr>
       </p:pic>
+    </p:spTree>
+  </p:cSld>
+  <p:clrMapOvr>
+    <a:masterClrMapping/>
+  </p:clrMapOvr>
+</p:sld>
+</file>
+
+<file path=ppt/slides/slide17.xml><?xml version="1.0" encoding="utf-8"?>
+<p:sld xmlns:a="http://schemas.openxmlformats.org/drawingml/2006/main" xmlns:r="http://schemas.openxmlformats.org/officeDocument/2006/relationships" xmlns:mc="http://schemas.openxmlformats.org/markup-compatibility/2006" xmlns:mv="urn:schemas-microsoft-com:mac:vml" xmlns:p="http://schemas.openxmlformats.org/presentationml/2006/main" xmlns:c="http://schemas.openxmlformats.org/drawingml/2006/chart" xmlns:dgm="http://schemas.openxmlformats.org/drawingml/2006/diagram" xmlns:o="urn:schemas-microsoft-com:office:office" xmlns:v="urn:schemas-microsoft-com:vml" xmlns:pvml="urn:schemas-microsoft-com:office:powerpoint" xmlns:com="http://schemas.openxmlformats.org/drawingml/2006/compatibility" xmlns:p14="http://schemas.microsoft.com/office/powerpoint/2010/main" xmlns:p15="http://schemas.microsoft.com/office/powerpoint/2012/main" xmlns:ahyp="http://schemas.microsoft.com/office/drawing/2018/hyperlinkcolor">
+  <p:cSld>
+    <p:spTree>
+      <p:nvGrpSpPr>
+        <p:cNvPr id="158" name="Shape 158"/>
+        <p:cNvGrpSpPr/>
+        <p:nvPr/>
+      </p:nvGrpSpPr>
+      <p:grpSpPr>
+        <a:xfrm>
+          <a:off x="0" y="0"/>
+          <a:ext cx="0" cy="0"/>
+          <a:chOff x="0" y="0"/>
+          <a:chExt cx="0" cy="0"/>
+        </a:xfrm>
+      </p:grpSpPr>
+      <p:sp>
+        <p:nvSpPr>
+          <p:cNvPr id="159" name="Google Shape;159;p30"/>
+          <p:cNvSpPr txBox="1"/>
+          <p:nvPr>
+            <p:ph type="title"/>
+          </p:nvPr>
+        </p:nvSpPr>
+        <p:spPr>
+          <a:xfrm>
+            <a:off x="311700" y="445025"/>
+            <a:ext cx="8520600" cy="572700"/>
+          </a:xfrm>
+          <a:prstGeom prst="rect">
+            <a:avLst/>
+          </a:prstGeom>
+        </p:spPr>
+        <p:txBody>
+          <a:bodyPr anchorCtr="0" anchor="t" bIns="91425" lIns="91425" spcFirstLastPara="1" rIns="91425" wrap="square" tIns="91425">
+            <a:normAutofit fontScale="90000"/>
+          </a:bodyPr>
+          <a:lstStyle/>
+          <a:p>
+            <a:pPr indent="0" lvl="0" marL="0" rtl="0" algn="l">
+              <a:spcBef>
+                <a:spcPts val="0"/>
+              </a:spcBef>
+              <a:spcAft>
+                <a:spcPts val="0"/>
+              </a:spcAft>
+              <a:buNone/>
+            </a:pPr>
+            <a:r>
+              <a:rPr lang="zh-TW"/>
+              <a:t>Run Vitis HLS C Simulation</a:t>
+            </a:r>
+            <a:r>
+              <a:rPr lang="zh-TW"/>
+              <a:t> (N = 5)</a:t>
+            </a:r>
+            <a:endParaRPr/>
+          </a:p>
+        </p:txBody>
+      </p:sp>
+      <p:sp>
+        <p:nvSpPr>
+          <p:cNvPr id="160" name="Google Shape;160;p30"/>
+          <p:cNvSpPr txBox="1"/>
+          <p:nvPr>
+            <p:ph idx="1" type="body"/>
+          </p:nvPr>
+        </p:nvSpPr>
+        <p:spPr>
+          <a:xfrm>
+            <a:off x="311700" y="1152475"/>
+            <a:ext cx="8520600" cy="3416400"/>
+          </a:xfrm>
+          <a:prstGeom prst="rect">
+            <a:avLst/>
+          </a:prstGeom>
+        </p:spPr>
+        <p:txBody>
+          <a:bodyPr anchorCtr="0" anchor="t" bIns="91425" lIns="91425" spcFirstLastPara="1" rIns="91425" wrap="square" tIns="91425">
+            <a:normAutofit/>
+          </a:bodyPr>
+          <a:lstStyle/>
+          <a:p>
+            <a:pPr indent="0" lvl="0" marL="0" rtl="0" algn="l">
+              <a:spcBef>
+                <a:spcPts val="0"/>
+              </a:spcBef>
+              <a:spcAft>
+                <a:spcPts val="1200"/>
+              </a:spcAft>
+              <a:buNone/>
+            </a:pPr>
+            <a:r>
+              <a:t/>
+            </a:r>
+            <a:endParaRPr/>
+          </a:p>
+        </p:txBody>
+      </p:sp>
+      <p:pic>
+        <p:nvPicPr>
+          <p:cNvPr id="161" name="Google Shape;161;p30"/>
+          <p:cNvPicPr preferRelativeResize="0"/>
+          <p:nvPr/>
+        </p:nvPicPr>
+        <p:blipFill>
+          <a:blip r:embed="rId3">
+            <a:alphaModFix/>
+          </a:blip>
+          <a:stretch>
+            <a:fillRect/>
+          </a:stretch>
+        </p:blipFill>
+        <p:spPr>
+          <a:xfrm>
+            <a:off x="1647950" y="849225"/>
+            <a:ext cx="5848101" cy="4022900"/>
+          </a:xfrm>
+          <a:prstGeom prst="rect">
+            <a:avLst/>
+          </a:prstGeom>
+          <a:noFill/>
+          <a:ln>
+            <a:noFill/>
+          </a:ln>
+        </p:spPr>
+      </p:pic>
       <p:cxnSp>
         <p:nvCxnSpPr>
-          <p:cNvPr id="151" name="Google Shape;151;p28"/>
+          <p:cNvPr id="162" name="Google Shape;162;p30"/>
           <p:cNvCxnSpPr/>
           <p:nvPr/>
         </p:nvCxnSpPr>
@@ -10045,7 +10923,7 @@
       </p:cxnSp>
       <p:cxnSp>
         <p:nvCxnSpPr>
-          <p:cNvPr id="152" name="Google Shape;152;p28"/>
+          <p:cNvPr id="163" name="Google Shape;163;p30"/>
           <p:cNvCxnSpPr/>
           <p:nvPr/>
         </p:nvCxnSpPr>
@@ -10077,243 +10955,7 @@
 </p:sld>
 </file>
 
-<file path=ppt/slides/slide16.xml><?xml version="1.0" encoding="utf-8"?>
-<p:sld xmlns:a="http://schemas.openxmlformats.org/drawingml/2006/main" xmlns:r="http://schemas.openxmlformats.org/officeDocument/2006/relationships" xmlns:mc="http://schemas.openxmlformats.org/markup-compatibility/2006" xmlns:mv="urn:schemas-microsoft-com:mac:vml" xmlns:p="http://schemas.openxmlformats.org/presentationml/2006/main" xmlns:c="http://schemas.openxmlformats.org/drawingml/2006/chart" xmlns:dgm="http://schemas.openxmlformats.org/drawingml/2006/diagram" xmlns:o="urn:schemas-microsoft-com:office:office" xmlns:v="urn:schemas-microsoft-com:vml" xmlns:pvml="urn:schemas-microsoft-com:office:powerpoint" xmlns:com="http://schemas.openxmlformats.org/drawingml/2006/compatibility" xmlns:p14="http://schemas.microsoft.com/office/powerpoint/2010/main" xmlns:p15="http://schemas.microsoft.com/office/powerpoint/2012/main" xmlns:ahyp="http://schemas.microsoft.com/office/drawing/2018/hyperlinkcolor">
-  <p:cSld>
-    <p:spTree>
-      <p:nvGrpSpPr>
-        <p:cNvPr id="156" name="Shape 156"/>
-        <p:cNvGrpSpPr/>
-        <p:nvPr/>
-      </p:nvGrpSpPr>
-      <p:grpSpPr>
-        <a:xfrm>
-          <a:off x="0" y="0"/>
-          <a:ext cx="0" cy="0"/>
-          <a:chOff x="0" y="0"/>
-          <a:chExt cx="0" cy="0"/>
-        </a:xfrm>
-      </p:grpSpPr>
-      <p:sp>
-        <p:nvSpPr>
-          <p:cNvPr id="157" name="Google Shape;157;p29"/>
-          <p:cNvSpPr txBox="1"/>
-          <p:nvPr>
-            <p:ph type="title"/>
-          </p:nvPr>
-        </p:nvSpPr>
-        <p:spPr>
-          <a:xfrm>
-            <a:off x="311700" y="445025"/>
-            <a:ext cx="8520600" cy="572700"/>
-          </a:xfrm>
-          <a:prstGeom prst="rect">
-            <a:avLst/>
-          </a:prstGeom>
-        </p:spPr>
-        <p:txBody>
-          <a:bodyPr anchorCtr="0" anchor="t" bIns="91425" lIns="91425" spcFirstLastPara="1" rIns="91425" wrap="square" tIns="91425">
-            <a:normAutofit fontScale="90000"/>
-          </a:bodyPr>
-          <a:lstStyle/>
-          <a:p>
-            <a:pPr indent="0" lvl="0" marL="0" rtl="0" algn="l">
-              <a:spcBef>
-                <a:spcPts val="0"/>
-              </a:spcBef>
-              <a:spcAft>
-                <a:spcPts val="0"/>
-              </a:spcAft>
-              <a:buNone/>
-            </a:pPr>
-            <a:r>
-              <a:rPr lang="zh-TW"/>
-              <a:t>Run Vitis HLS C Synthesis (N = 13)</a:t>
-            </a:r>
-            <a:endParaRPr/>
-          </a:p>
-        </p:txBody>
-      </p:sp>
-      <p:sp>
-        <p:nvSpPr>
-          <p:cNvPr id="158" name="Google Shape;158;p29"/>
-          <p:cNvSpPr txBox="1"/>
-          <p:nvPr>
-            <p:ph idx="1" type="body"/>
-          </p:nvPr>
-        </p:nvSpPr>
-        <p:spPr>
-          <a:xfrm>
-            <a:off x="311700" y="1152475"/>
-            <a:ext cx="8520600" cy="3416400"/>
-          </a:xfrm>
-          <a:prstGeom prst="rect">
-            <a:avLst/>
-          </a:prstGeom>
-        </p:spPr>
-        <p:txBody>
-          <a:bodyPr anchorCtr="0" anchor="t" bIns="91425" lIns="91425" spcFirstLastPara="1" rIns="91425" wrap="square" tIns="91425">
-            <a:normAutofit/>
-          </a:bodyPr>
-          <a:lstStyle/>
-          <a:p>
-            <a:pPr indent="0" lvl="0" marL="0" rtl="0" algn="l">
-              <a:spcBef>
-                <a:spcPts val="0"/>
-              </a:spcBef>
-              <a:spcAft>
-                <a:spcPts val="1200"/>
-              </a:spcAft>
-              <a:buNone/>
-            </a:pPr>
-            <a:r>
-              <a:t/>
-            </a:r>
-            <a:endParaRPr/>
-          </a:p>
-        </p:txBody>
-      </p:sp>
-      <p:pic>
-        <p:nvPicPr>
-          <p:cNvPr id="159" name="Google Shape;159;p29"/>
-          <p:cNvPicPr preferRelativeResize="0"/>
-          <p:nvPr/>
-        </p:nvPicPr>
-        <p:blipFill>
-          <a:blip r:embed="rId3">
-            <a:alphaModFix/>
-          </a:blip>
-          <a:stretch>
-            <a:fillRect/>
-          </a:stretch>
-        </p:blipFill>
-        <p:spPr>
-          <a:xfrm>
-            <a:off x="789250" y="1260875"/>
-            <a:ext cx="7565501" cy="3199575"/>
-          </a:xfrm>
-          <a:prstGeom prst="rect">
-            <a:avLst/>
-          </a:prstGeom>
-          <a:noFill/>
-          <a:ln>
-            <a:noFill/>
-          </a:ln>
-        </p:spPr>
-      </p:pic>
-      <p:cxnSp>
-        <p:nvCxnSpPr>
-          <p:cNvPr id="160" name="Google Shape;160;p29"/>
-          <p:cNvCxnSpPr/>
-          <p:nvPr/>
-        </p:nvCxnSpPr>
-        <p:spPr>
-          <a:xfrm>
-            <a:off x="4572000" y="1780150"/>
-            <a:ext cx="723600" cy="0"/>
-          </a:xfrm>
-          <a:prstGeom prst="straightConnector1">
-            <a:avLst/>
-          </a:prstGeom>
-          <a:noFill/>
-          <a:ln cap="flat" cmpd="sng" w="9525">
-            <a:solidFill>
-              <a:srgbClr val="00FFFF"/>
-            </a:solidFill>
-            <a:prstDash val="solid"/>
-            <a:round/>
-            <a:headEnd len="med" w="med" type="none"/>
-            <a:tailEnd len="med" w="med" type="none"/>
-          </a:ln>
-        </p:spPr>
-      </p:cxnSp>
-      <p:cxnSp>
-        <p:nvCxnSpPr>
-          <p:cNvPr id="161" name="Google Shape;161;p29"/>
-          <p:cNvCxnSpPr/>
-          <p:nvPr/>
-        </p:nvCxnSpPr>
-        <p:spPr>
-          <a:xfrm flipH="1" rot="10800000">
-            <a:off x="7001250" y="2029525"/>
-            <a:ext cx="399300" cy="12600"/>
-          </a:xfrm>
-          <a:prstGeom prst="straightConnector1">
-            <a:avLst/>
-          </a:prstGeom>
-          <a:noFill/>
-          <a:ln cap="flat" cmpd="sng" w="9525">
-            <a:solidFill>
-              <a:srgbClr val="00FFFF"/>
-            </a:solidFill>
-            <a:prstDash val="solid"/>
-            <a:round/>
-            <a:headEnd len="med" w="med" type="none"/>
-            <a:tailEnd len="med" w="med" type="none"/>
-          </a:ln>
-        </p:spPr>
-      </p:cxnSp>
-      <p:cxnSp>
-        <p:nvCxnSpPr>
-          <p:cNvPr id="162" name="Google Shape;162;p29"/>
-          <p:cNvCxnSpPr/>
-          <p:nvPr/>
-        </p:nvCxnSpPr>
-        <p:spPr>
-          <a:xfrm>
-            <a:off x="6627000" y="2266675"/>
-            <a:ext cx="735900" cy="0"/>
-          </a:xfrm>
-          <a:prstGeom prst="straightConnector1">
-            <a:avLst/>
-          </a:prstGeom>
-          <a:noFill/>
-          <a:ln cap="flat" cmpd="sng" w="9525">
-            <a:solidFill>
-              <a:srgbClr val="00FFFF"/>
-            </a:solidFill>
-            <a:prstDash val="solid"/>
-            <a:round/>
-            <a:headEnd len="med" w="med" type="none"/>
-            <a:tailEnd len="med" w="med" type="none"/>
-          </a:ln>
-        </p:spPr>
-      </p:cxnSp>
-      <p:cxnSp>
-        <p:nvCxnSpPr>
-          <p:cNvPr id="163" name="Google Shape;163;p29"/>
-          <p:cNvCxnSpPr/>
-          <p:nvPr/>
-        </p:nvCxnSpPr>
-        <p:spPr>
-          <a:xfrm>
-            <a:off x="2435500" y="4262625"/>
-            <a:ext cx="2706900" cy="12600"/>
-          </a:xfrm>
-          <a:prstGeom prst="straightConnector1">
-            <a:avLst/>
-          </a:prstGeom>
-          <a:noFill/>
-          <a:ln cap="flat" cmpd="sng" w="9525">
-            <a:solidFill>
-              <a:srgbClr val="00FFFF"/>
-            </a:solidFill>
-            <a:prstDash val="solid"/>
-            <a:round/>
-            <a:headEnd len="med" w="med" type="none"/>
-            <a:tailEnd len="med" w="med" type="none"/>
-          </a:ln>
-        </p:spPr>
-      </p:cxnSp>
-    </p:spTree>
-  </p:cSld>
-  <p:clrMapOvr>
-    <a:masterClrMapping/>
-  </p:clrMapOvr>
-</p:sld>
-</file>
-
-<file path=ppt/slides/slide17.xml><?xml version="1.0" encoding="utf-8"?>
+<file path=ppt/slides/slide18.xml><?xml version="1.0" encoding="utf-8"?>
 <p:sld xmlns:a="http://schemas.openxmlformats.org/drawingml/2006/main" xmlns:r="http://schemas.openxmlformats.org/officeDocument/2006/relationships" xmlns:mc="http://schemas.openxmlformats.org/markup-compatibility/2006" xmlns:mv="urn:schemas-microsoft-com:mac:vml" xmlns:p="http://schemas.openxmlformats.org/presentationml/2006/main" xmlns:c="http://schemas.openxmlformats.org/drawingml/2006/chart" xmlns:dgm="http://schemas.openxmlformats.org/drawingml/2006/diagram" xmlns:o="urn:schemas-microsoft-com:office:office" xmlns:v="urn:schemas-microsoft-com:vml" xmlns:pvml="urn:schemas-microsoft-com:office:powerpoint" xmlns:com="http://schemas.openxmlformats.org/drawingml/2006/compatibility" xmlns:p14="http://schemas.microsoft.com/office/powerpoint/2010/main" xmlns:p15="http://schemas.microsoft.com/office/powerpoint/2012/main" xmlns:ahyp="http://schemas.microsoft.com/office/drawing/2018/hyperlinkcolor">
   <p:cSld>
     <p:spTree>
@@ -10332,7 +10974,7 @@
       </p:grpSpPr>
       <p:sp>
         <p:nvSpPr>
-          <p:cNvPr id="168" name="Google Shape;168;p30"/>
+          <p:cNvPr id="168" name="Google Shape;168;p31"/>
           <p:cNvSpPr txBox="1"/>
           <p:nvPr>
             <p:ph type="title"/>
@@ -10364,7 +11006,7 @@
             </a:pPr>
             <a:r>
               <a:rPr lang="zh-TW"/>
-              <a:t>Run the Co-Simulation (N = 5)</a:t>
+              <a:t>Run Vitis HLS C Synthesis (N = 13)</a:t>
             </a:r>
             <a:endParaRPr/>
           </a:p>
@@ -10372,7 +11014,7 @@
       </p:sp>
       <p:sp>
         <p:nvSpPr>
-          <p:cNvPr id="169" name="Google Shape;169;p30"/>
+          <p:cNvPr id="169" name="Google Shape;169;p31"/>
           <p:cNvSpPr txBox="1"/>
           <p:nvPr>
             <p:ph idx="1" type="body"/>
@@ -10393,19 +11035,17 @@
           </a:bodyPr>
           <a:lstStyle/>
           <a:p>
-            <a:pPr indent="-342900" lvl="0" marL="457200" rtl="0" algn="l">
-              <a:spcBef>
-                <a:spcPts val="0"/>
-              </a:spcBef>
-              <a:spcAft>
-                <a:spcPts val="0"/>
-              </a:spcAft>
-              <a:buSzPts val="1800"/>
-              <a:buChar char="-"/>
-            </a:pPr>
-            <a:r>
-              <a:rPr lang="zh-TW"/>
-              <a:t>Something is missing?</a:t>
+            <a:pPr indent="0" lvl="0" marL="0" rtl="0" algn="l">
+              <a:spcBef>
+                <a:spcPts val="0"/>
+              </a:spcBef>
+              <a:spcAft>
+                <a:spcPts val="1200"/>
+              </a:spcAft>
+              <a:buNone/>
+            </a:pPr>
+            <a:r>
+              <a:t/>
             </a:r>
             <a:endParaRPr/>
           </a:p>
@@ -10413,7 +11053,7 @@
       </p:sp>
       <p:pic>
         <p:nvPicPr>
-          <p:cNvPr id="170" name="Google Shape;170;p30"/>
+          <p:cNvPr id="170" name="Google Shape;170;p31"/>
           <p:cNvPicPr preferRelativeResize="0"/>
           <p:nvPr/>
         </p:nvPicPr>
@@ -10427,8 +11067,8 @@
         </p:blipFill>
         <p:spPr>
           <a:xfrm>
-            <a:off x="0" y="1599475"/>
-            <a:ext cx="9144000" cy="3295650"/>
+            <a:off x="789250" y="1260875"/>
+            <a:ext cx="7565501" cy="3199575"/>
           </a:xfrm>
           <a:prstGeom prst="rect">
             <a:avLst/>
@@ -10439,6 +11079,110 @@
           </a:ln>
         </p:spPr>
       </p:pic>
+      <p:cxnSp>
+        <p:nvCxnSpPr>
+          <p:cNvPr id="171" name="Google Shape;171;p31"/>
+          <p:cNvCxnSpPr/>
+          <p:nvPr/>
+        </p:nvCxnSpPr>
+        <p:spPr>
+          <a:xfrm>
+            <a:off x="4572000" y="1780150"/>
+            <a:ext cx="723600" cy="0"/>
+          </a:xfrm>
+          <a:prstGeom prst="straightConnector1">
+            <a:avLst/>
+          </a:prstGeom>
+          <a:noFill/>
+          <a:ln cap="flat" cmpd="sng" w="9525">
+            <a:solidFill>
+              <a:srgbClr val="00FFFF"/>
+            </a:solidFill>
+            <a:prstDash val="solid"/>
+            <a:round/>
+            <a:headEnd len="med" w="med" type="none"/>
+            <a:tailEnd len="med" w="med" type="none"/>
+          </a:ln>
+        </p:spPr>
+      </p:cxnSp>
+      <p:cxnSp>
+        <p:nvCxnSpPr>
+          <p:cNvPr id="172" name="Google Shape;172;p31"/>
+          <p:cNvCxnSpPr/>
+          <p:nvPr/>
+        </p:nvCxnSpPr>
+        <p:spPr>
+          <a:xfrm flipH="1" rot="10800000">
+            <a:off x="7001250" y="2029525"/>
+            <a:ext cx="399300" cy="12600"/>
+          </a:xfrm>
+          <a:prstGeom prst="straightConnector1">
+            <a:avLst/>
+          </a:prstGeom>
+          <a:noFill/>
+          <a:ln cap="flat" cmpd="sng" w="9525">
+            <a:solidFill>
+              <a:srgbClr val="00FFFF"/>
+            </a:solidFill>
+            <a:prstDash val="solid"/>
+            <a:round/>
+            <a:headEnd len="med" w="med" type="none"/>
+            <a:tailEnd len="med" w="med" type="none"/>
+          </a:ln>
+        </p:spPr>
+      </p:cxnSp>
+      <p:cxnSp>
+        <p:nvCxnSpPr>
+          <p:cNvPr id="173" name="Google Shape;173;p31"/>
+          <p:cNvCxnSpPr/>
+          <p:nvPr/>
+        </p:nvCxnSpPr>
+        <p:spPr>
+          <a:xfrm>
+            <a:off x="6627000" y="2266675"/>
+            <a:ext cx="735900" cy="0"/>
+          </a:xfrm>
+          <a:prstGeom prst="straightConnector1">
+            <a:avLst/>
+          </a:prstGeom>
+          <a:noFill/>
+          <a:ln cap="flat" cmpd="sng" w="9525">
+            <a:solidFill>
+              <a:srgbClr val="00FFFF"/>
+            </a:solidFill>
+            <a:prstDash val="solid"/>
+            <a:round/>
+            <a:headEnd len="med" w="med" type="none"/>
+            <a:tailEnd len="med" w="med" type="none"/>
+          </a:ln>
+        </p:spPr>
+      </p:cxnSp>
+      <p:cxnSp>
+        <p:nvCxnSpPr>
+          <p:cNvPr id="174" name="Google Shape;174;p31"/>
+          <p:cNvCxnSpPr/>
+          <p:nvPr/>
+        </p:nvCxnSpPr>
+        <p:spPr>
+          <a:xfrm>
+            <a:off x="2435500" y="4262625"/>
+            <a:ext cx="2706900" cy="12600"/>
+          </a:xfrm>
+          <a:prstGeom prst="straightConnector1">
+            <a:avLst/>
+          </a:prstGeom>
+          <a:noFill/>
+          <a:ln cap="flat" cmpd="sng" w="9525">
+            <a:solidFill>
+              <a:srgbClr val="00FFFF"/>
+            </a:solidFill>
+            <a:prstDash val="solid"/>
+            <a:round/>
+            <a:headEnd len="med" w="med" type="none"/>
+            <a:tailEnd len="med" w="med" type="none"/>
+          </a:ln>
+        </p:spPr>
+      </p:cxnSp>
     </p:spTree>
   </p:cSld>
   <p:clrMapOvr>
@@ -10447,12 +11191,12 @@
 </p:sld>
 </file>
 
-<file path=ppt/slides/slide18.xml><?xml version="1.0" encoding="utf-8"?>
+<file path=ppt/slides/slide19.xml><?xml version="1.0" encoding="utf-8"?>
 <p:sld xmlns:a="http://schemas.openxmlformats.org/drawingml/2006/main" xmlns:r="http://schemas.openxmlformats.org/officeDocument/2006/relationships" xmlns:mc="http://schemas.openxmlformats.org/markup-compatibility/2006" xmlns:mv="urn:schemas-microsoft-com:mac:vml" xmlns:p="http://schemas.openxmlformats.org/presentationml/2006/main" xmlns:c="http://schemas.openxmlformats.org/drawingml/2006/chart" xmlns:dgm="http://schemas.openxmlformats.org/drawingml/2006/diagram" xmlns:o="urn:schemas-microsoft-com:office:office" xmlns:v="urn:schemas-microsoft-com:vml" xmlns:pvml="urn:schemas-microsoft-com:office:powerpoint" xmlns:com="http://schemas.openxmlformats.org/drawingml/2006/compatibility" xmlns:p14="http://schemas.microsoft.com/office/powerpoint/2010/main" xmlns:p15="http://schemas.microsoft.com/office/powerpoint/2012/main" xmlns:ahyp="http://schemas.microsoft.com/office/drawing/2018/hyperlinkcolor">
   <p:cSld>
     <p:spTree>
       <p:nvGrpSpPr>
-        <p:cNvPr id="174" name="Shape 174"/>
+        <p:cNvPr id="178" name="Shape 178"/>
         <p:cNvGrpSpPr/>
         <p:nvPr/>
       </p:nvGrpSpPr>
@@ -10466,7 +11210,7 @@
       </p:grpSpPr>
       <p:sp>
         <p:nvSpPr>
-          <p:cNvPr id="175" name="Google Shape;175;p31"/>
+          <p:cNvPr id="179" name="Google Shape;179;p32"/>
           <p:cNvSpPr txBox="1"/>
           <p:nvPr>
             <p:ph type="title"/>
@@ -10498,7 +11242,7 @@
             </a:pPr>
             <a:r>
               <a:rPr lang="zh-TW"/>
-              <a:t>implemented with 4 parallel memory lookups</a:t>
+              <a:t>Run the Co-Simulation (N = 5)</a:t>
             </a:r>
             <a:endParaRPr/>
           </a:p>
@@ -10506,7 +11250,7 @@
       </p:sp>
       <p:sp>
         <p:nvSpPr>
-          <p:cNvPr id="176" name="Google Shape;176;p31"/>
+          <p:cNvPr id="180" name="Google Shape;180;p32"/>
           <p:cNvSpPr txBox="1"/>
           <p:nvPr>
             <p:ph idx="1" type="body"/>
@@ -10523,358 +11267,23 @@
         </p:spPr>
         <p:txBody>
           <a:bodyPr anchorCtr="0" anchor="t" bIns="91425" lIns="91425" spcFirstLastPara="1" rIns="91425" wrap="square" tIns="91425">
-            <a:normAutofit fontScale="70000" lnSpcReduction="10000"/>
-          </a:bodyPr>
-          <a:lstStyle/>
-          <a:p>
-            <a:pPr indent="-308610" lvl="0" marL="457200" rtl="0" algn="l">
-              <a:spcBef>
-                <a:spcPts val="0"/>
-              </a:spcBef>
-              <a:spcAft>
-                <a:spcPts val="0"/>
-              </a:spcAft>
-              <a:buClr>
-                <a:srgbClr val="9900FF"/>
-              </a:buClr>
-              <a:buSzPct val="100000"/>
-              <a:buChar char="+"/>
-            </a:pPr>
-            <a:r>
-              <a:rPr lang="zh-TW">
-                <a:solidFill>
-                  <a:srgbClr val="9900FF"/>
-                </a:solidFill>
-              </a:rPr>
-              <a:t>cd ./build</a:t>
-            </a:r>
-            <a:endParaRPr>
-              <a:solidFill>
-                <a:srgbClr val="9900FF"/>
-              </a:solidFill>
-            </a:endParaRPr>
-          </a:p>
-          <a:p>
-            <a:pPr indent="-308610" lvl="0" marL="457200" rtl="0" algn="l">
-              <a:spcBef>
-                <a:spcPts val="0"/>
-              </a:spcBef>
-              <a:spcAft>
-                <a:spcPts val="0"/>
-              </a:spcAft>
-              <a:buClr>
-                <a:srgbClr val="9900FF"/>
-              </a:buClr>
-              <a:buSzPct val="100000"/>
-              <a:buChar char="+"/>
-            </a:pPr>
-            <a:r>
-              <a:rPr lang="zh-TW">
-                <a:solidFill>
-                  <a:srgbClr val="9900FF"/>
-                </a:solidFill>
-              </a:rPr>
-              <a:t>vitis_hls -p hls_opt.tcl &amp;</a:t>
-            </a:r>
-            <a:endParaRPr>
-              <a:solidFill>
-                <a:srgbClr val="9900FF"/>
-              </a:solidFill>
-            </a:endParaRPr>
-          </a:p>
-          <a:p>
-            <a:pPr indent="0" lvl="0" marL="0" rtl="0" algn="l">
-              <a:spcBef>
-                <a:spcPts val="1200"/>
-              </a:spcBef>
-              <a:spcAft>
-                <a:spcPts val="0"/>
-              </a:spcAft>
-              <a:buNone/>
-            </a:pPr>
-            <a:r>
-              <a:rPr lang="zh-TW">
-                <a:solidFill>
-                  <a:schemeClr val="dk1"/>
-                </a:solidFill>
-              </a:rPr>
-              <a:t>loop_compute: for( unsigned long int i_ = 0; i_ &lt; factorialN; i_ += 4 )</a:t>
-            </a:r>
-            <a:endParaRPr>
-              <a:solidFill>
-                <a:schemeClr val="dk1"/>
-              </a:solidFill>
-            </a:endParaRPr>
-          </a:p>
-          <a:p>
-            <a:pPr indent="0" lvl="0" marL="0" rtl="0" algn="l">
-              <a:spcBef>
-                <a:spcPts val="1200"/>
-              </a:spcBef>
-              <a:spcAft>
-                <a:spcPts val="0"/>
-              </a:spcAft>
-              <a:buNone/>
-            </a:pPr>
-            <a:r>
-              <a:rPr lang="zh-TW">
-                <a:solidFill>
-                  <a:schemeClr val="dk1"/>
-                </a:solidFill>
-              </a:rPr>
-              <a:t>  {</a:t>
-            </a:r>
-            <a:endParaRPr>
-              <a:solidFill>
-                <a:schemeClr val="dk1"/>
-              </a:solidFill>
-            </a:endParaRPr>
-          </a:p>
-          <a:p>
-            <a:pPr indent="0" lvl="0" marL="0" rtl="0" algn="l">
-              <a:spcBef>
-                <a:spcPts val="1200"/>
-              </a:spcBef>
-              <a:spcAft>
-                <a:spcPts val="0"/>
-              </a:spcAft>
-              <a:buNone/>
-            </a:pPr>
-            <a:r>
-              <a:rPr lang="zh-TW">
-                <a:solidFill>
-                  <a:schemeClr val="dk1"/>
-                </a:solidFill>
-              </a:rPr>
-              <a:t>	#pragma HLS pipeline II=1</a:t>
-            </a:r>
-            <a:endParaRPr>
-              <a:solidFill>
-                <a:schemeClr val="dk1"/>
-              </a:solidFill>
-            </a:endParaRPr>
-          </a:p>
-          <a:p>
-            <a:pPr indent="0" lvl="0" marL="0" rtl="0" algn="l">
-              <a:spcBef>
-                <a:spcPts val="1200"/>
-              </a:spcBef>
-              <a:spcAft>
-                <a:spcPts val="0"/>
-              </a:spcAft>
-              <a:buNone/>
-            </a:pPr>
-            <a:r>
-              <a:rPr lang="zh-TW">
-                <a:solidFill>
-                  <a:schemeClr val="dk1"/>
-                </a:solidFill>
-              </a:rPr>
-              <a:t>	candidate0 = std::min(candidate0, compute(i_+0, distances_0));</a:t>
-            </a:r>
-            <a:endParaRPr>
-              <a:solidFill>
-                <a:schemeClr val="dk1"/>
-              </a:solidFill>
-            </a:endParaRPr>
-          </a:p>
-          <a:p>
-            <a:pPr indent="0" lvl="0" marL="0" rtl="0" algn="l">
-              <a:spcBef>
-                <a:spcPts val="1200"/>
-              </a:spcBef>
-              <a:spcAft>
-                <a:spcPts val="0"/>
-              </a:spcAft>
-              <a:buNone/>
-            </a:pPr>
-            <a:r>
-              <a:rPr lang="zh-TW">
-                <a:solidFill>
-                  <a:schemeClr val="dk1"/>
-                </a:solidFill>
-              </a:rPr>
-              <a:t>	candidate1 = std::min(candidate1, compute(i_+1, distances_1));</a:t>
-            </a:r>
-            <a:endParaRPr>
-              <a:solidFill>
-                <a:schemeClr val="dk1"/>
-              </a:solidFill>
-            </a:endParaRPr>
-          </a:p>
-          <a:p>
-            <a:pPr indent="0" lvl="0" marL="0" rtl="0" algn="l">
-              <a:spcBef>
-                <a:spcPts val="1200"/>
-              </a:spcBef>
-              <a:spcAft>
-                <a:spcPts val="0"/>
-              </a:spcAft>
-              <a:buNone/>
-            </a:pPr>
-            <a:r>
-              <a:rPr lang="zh-TW">
-                <a:solidFill>
-                  <a:schemeClr val="dk1"/>
-                </a:solidFill>
-              </a:rPr>
-              <a:t>	candidate2 = std::min(candidate2, compute(i_+2, distances_2));</a:t>
-            </a:r>
-            <a:endParaRPr>
-              <a:solidFill>
-                <a:schemeClr val="dk1"/>
-              </a:solidFill>
-            </a:endParaRPr>
-          </a:p>
-          <a:p>
-            <a:pPr indent="0" lvl="0" marL="0" rtl="0" algn="l">
-              <a:spcBef>
-                <a:spcPts val="1200"/>
-              </a:spcBef>
-              <a:spcAft>
-                <a:spcPts val="0"/>
-              </a:spcAft>
-              <a:buNone/>
-            </a:pPr>
-            <a:r>
-              <a:rPr lang="zh-TW">
-                <a:solidFill>
-                  <a:schemeClr val="dk1"/>
-                </a:solidFill>
-              </a:rPr>
-              <a:t>	candidate3 = std::min(candidate3, compute(i_+3, distances_3));</a:t>
-            </a:r>
-            <a:endParaRPr>
-              <a:solidFill>
-                <a:schemeClr val="dk1"/>
-              </a:solidFill>
-            </a:endParaRPr>
-          </a:p>
-          <a:p>
-            <a:pPr indent="0" lvl="0" marL="0" rtl="0" algn="l">
-              <a:spcBef>
-                <a:spcPts val="1200"/>
-              </a:spcBef>
-              <a:spcAft>
-                <a:spcPts val="1200"/>
-              </a:spcAft>
-              <a:buNone/>
-            </a:pPr>
-            <a:r>
-              <a:rPr lang="zh-TW">
-                <a:solidFill>
-                  <a:schemeClr val="dk1"/>
-                </a:solidFill>
-              </a:rPr>
-              <a:t>  }</a:t>
-            </a:r>
-            <a:endParaRPr>
-              <a:solidFill>
-                <a:schemeClr val="dk1"/>
-              </a:solidFill>
-            </a:endParaRPr>
-          </a:p>
-        </p:txBody>
-      </p:sp>
-    </p:spTree>
-  </p:cSld>
-  <p:clrMapOvr>
-    <a:masterClrMapping/>
-  </p:clrMapOvr>
-</p:sld>
-</file>
-
-<file path=ppt/slides/slide19.xml><?xml version="1.0" encoding="utf-8"?>
-<p:sld xmlns:a="http://schemas.openxmlformats.org/drawingml/2006/main" xmlns:r="http://schemas.openxmlformats.org/officeDocument/2006/relationships" xmlns:mc="http://schemas.openxmlformats.org/markup-compatibility/2006" xmlns:mv="urn:schemas-microsoft-com:mac:vml" xmlns:p="http://schemas.openxmlformats.org/presentationml/2006/main" xmlns:c="http://schemas.openxmlformats.org/drawingml/2006/chart" xmlns:dgm="http://schemas.openxmlformats.org/drawingml/2006/diagram" xmlns:o="urn:schemas-microsoft-com:office:office" xmlns:v="urn:schemas-microsoft-com:vml" xmlns:pvml="urn:schemas-microsoft-com:office:powerpoint" xmlns:com="http://schemas.openxmlformats.org/drawingml/2006/compatibility" xmlns:p14="http://schemas.microsoft.com/office/powerpoint/2010/main" xmlns:p15="http://schemas.microsoft.com/office/powerpoint/2012/main" xmlns:ahyp="http://schemas.microsoft.com/office/drawing/2018/hyperlinkcolor">
-  <p:cSld>
-    <p:spTree>
-      <p:nvGrpSpPr>
-        <p:cNvPr id="180" name="Shape 180"/>
-        <p:cNvGrpSpPr/>
-        <p:nvPr/>
-      </p:nvGrpSpPr>
-      <p:grpSpPr>
-        <a:xfrm>
-          <a:off x="0" y="0"/>
-          <a:ext cx="0" cy="0"/>
-          <a:chOff x="0" y="0"/>
-          <a:chExt cx="0" cy="0"/>
-        </a:xfrm>
-      </p:grpSpPr>
-      <p:sp>
-        <p:nvSpPr>
-          <p:cNvPr id="181" name="Google Shape;181;p32"/>
-          <p:cNvSpPr txBox="1"/>
-          <p:nvPr>
-            <p:ph type="title"/>
-          </p:nvPr>
-        </p:nvSpPr>
-        <p:spPr>
-          <a:xfrm>
-            <a:off x="311700" y="445025"/>
-            <a:ext cx="8520600" cy="572700"/>
-          </a:xfrm>
-          <a:prstGeom prst="rect">
-            <a:avLst/>
-          </a:prstGeom>
-        </p:spPr>
-        <p:txBody>
-          <a:bodyPr anchorCtr="0" anchor="t" bIns="91425" lIns="91425" spcFirstLastPara="1" rIns="91425" wrap="square" tIns="91425">
-            <a:normAutofit fontScale="90000"/>
-          </a:bodyPr>
-          <a:lstStyle/>
-          <a:p>
-            <a:pPr indent="0" lvl="0" marL="0" rtl="0" algn="l">
-              <a:spcBef>
-                <a:spcPts val="0"/>
-              </a:spcBef>
-              <a:spcAft>
-                <a:spcPts val="0"/>
-              </a:spcAft>
-              <a:buNone/>
-            </a:pPr>
-            <a:r>
-              <a:rPr lang="zh-TW"/>
-              <a:t>Run Vitis HLS C Simulation (N = 5)</a:t>
-            </a:r>
-            <a:endParaRPr/>
-          </a:p>
-        </p:txBody>
-      </p:sp>
-      <p:sp>
-        <p:nvSpPr>
-          <p:cNvPr id="182" name="Google Shape;182;p32"/>
-          <p:cNvSpPr txBox="1"/>
-          <p:nvPr>
-            <p:ph idx="1" type="body"/>
-          </p:nvPr>
-        </p:nvSpPr>
-        <p:spPr>
-          <a:xfrm>
-            <a:off x="311700" y="1152475"/>
-            <a:ext cx="8520600" cy="3416400"/>
-          </a:xfrm>
-          <a:prstGeom prst="rect">
-            <a:avLst/>
-          </a:prstGeom>
-        </p:spPr>
-        <p:txBody>
-          <a:bodyPr anchorCtr="0" anchor="t" bIns="91425" lIns="91425" spcFirstLastPara="1" rIns="91425" wrap="square" tIns="91425">
             <a:normAutofit/>
           </a:bodyPr>
           <a:lstStyle/>
           <a:p>
-            <a:pPr indent="0" lvl="0" marL="0" rtl="0" algn="l">
-              <a:spcBef>
-                <a:spcPts val="0"/>
-              </a:spcBef>
-              <a:spcAft>
-                <a:spcPts val="1200"/>
-              </a:spcAft>
-              <a:buNone/>
-            </a:pPr>
-            <a:r>
-              <a:t/>
+            <a:pPr indent="-342900" lvl="0" marL="457200" rtl="0" algn="l">
+              <a:spcBef>
+                <a:spcPts val="0"/>
+              </a:spcBef>
+              <a:spcAft>
+                <a:spcPts val="0"/>
+              </a:spcAft>
+              <a:buSzPts val="1800"/>
+              <a:buChar char="-"/>
+            </a:pPr>
+            <a:r>
+              <a:rPr lang="zh-TW"/>
+              <a:t>Something is missing?</a:t>
             </a:r>
             <a:endParaRPr/>
           </a:p>
@@ -10882,7 +11291,7 @@
       </p:sp>
       <p:pic>
         <p:nvPicPr>
-          <p:cNvPr id="183" name="Google Shape;183;p32"/>
+          <p:cNvPr id="181" name="Google Shape;181;p32"/>
           <p:cNvPicPr preferRelativeResize="0"/>
           <p:nvPr/>
         </p:nvPicPr>
@@ -10896,8 +11305,8 @@
         </p:blipFill>
         <p:spPr>
           <a:xfrm>
-            <a:off x="1072938" y="932550"/>
-            <a:ext cx="6998124" cy="3856250"/>
+            <a:off x="0" y="1599475"/>
+            <a:ext cx="9144000" cy="3295650"/>
           </a:xfrm>
           <a:prstGeom prst="rect">
             <a:avLst/>
@@ -10908,32 +11317,6 @@
           </a:ln>
         </p:spPr>
       </p:pic>
-      <p:cxnSp>
-        <p:nvCxnSpPr>
-          <p:cNvPr id="184" name="Google Shape;184;p32"/>
-          <p:cNvCxnSpPr/>
-          <p:nvPr/>
-        </p:nvCxnSpPr>
-        <p:spPr>
-          <a:xfrm>
-            <a:off x="2922000" y="4549550"/>
-            <a:ext cx="2969100" cy="12600"/>
-          </a:xfrm>
-          <a:prstGeom prst="straightConnector1">
-            <a:avLst/>
-          </a:prstGeom>
-          <a:noFill/>
-          <a:ln cap="flat" cmpd="sng" w="9525">
-            <a:solidFill>
-              <a:srgbClr val="00FFFF"/>
-            </a:solidFill>
-            <a:prstDash val="solid"/>
-            <a:round/>
-            <a:headEnd len="med" w="med" type="none"/>
-            <a:tailEnd len="med" w="med" type="none"/>
-          </a:ln>
-        </p:spPr>
-      </p:cxnSp>
     </p:spTree>
   </p:cSld>
   <p:clrMapOvr>
@@ -11012,7 +11395,7 @@
   <p:cSld>
     <p:spTree>
       <p:nvGrpSpPr>
-        <p:cNvPr id="188" name="Shape 188"/>
+        <p:cNvPr id="185" name="Shape 185"/>
         <p:cNvGrpSpPr/>
         <p:nvPr/>
       </p:nvGrpSpPr>
@@ -11026,7 +11409,7 @@
       </p:grpSpPr>
       <p:sp>
         <p:nvSpPr>
-          <p:cNvPr id="189" name="Google Shape;189;p33"/>
+          <p:cNvPr id="186" name="Google Shape;186;p33"/>
           <p:cNvSpPr txBox="1"/>
           <p:nvPr>
             <p:ph type="title"/>
@@ -11058,7 +11441,7 @@
             </a:pPr>
             <a:r>
               <a:rPr lang="zh-TW"/>
-              <a:t>Run Vitis HLS C Synthesis (N = 13)</a:t>
+              <a:t>implemented with 4 parallel memory lookups</a:t>
             </a:r>
             <a:endParaRPr/>
           </a:p>
@@ -11066,7 +11449,7 @@
       </p:sp>
       <p:sp>
         <p:nvSpPr>
-          <p:cNvPr id="190" name="Google Shape;190;p33"/>
+          <p:cNvPr id="187" name="Google Shape;187;p33"/>
           <p:cNvSpPr txBox="1"/>
           <p:nvPr>
             <p:ph idx="1" type="body"/>
@@ -11083,6 +11466,343 @@
         </p:spPr>
         <p:txBody>
           <a:bodyPr anchorCtr="0" anchor="t" bIns="91425" lIns="91425" spcFirstLastPara="1" rIns="91425" wrap="square" tIns="91425">
+            <a:normAutofit fontScale="70000" lnSpcReduction="10000"/>
+          </a:bodyPr>
+          <a:lstStyle/>
+          <a:p>
+            <a:pPr indent="-308610" lvl="0" marL="457200" rtl="0" algn="l">
+              <a:spcBef>
+                <a:spcPts val="0"/>
+              </a:spcBef>
+              <a:spcAft>
+                <a:spcPts val="0"/>
+              </a:spcAft>
+              <a:buClr>
+                <a:srgbClr val="9900FF"/>
+              </a:buClr>
+              <a:buSzPct val="100000"/>
+              <a:buChar char="+"/>
+            </a:pPr>
+            <a:r>
+              <a:rPr lang="zh-TW">
+                <a:solidFill>
+                  <a:srgbClr val="9900FF"/>
+                </a:solidFill>
+              </a:rPr>
+              <a:t>cd ./build</a:t>
+            </a:r>
+            <a:endParaRPr>
+              <a:solidFill>
+                <a:srgbClr val="9900FF"/>
+              </a:solidFill>
+            </a:endParaRPr>
+          </a:p>
+          <a:p>
+            <a:pPr indent="-308610" lvl="0" marL="457200" rtl="0" algn="l">
+              <a:spcBef>
+                <a:spcPts val="0"/>
+              </a:spcBef>
+              <a:spcAft>
+                <a:spcPts val="0"/>
+              </a:spcAft>
+              <a:buClr>
+                <a:srgbClr val="9900FF"/>
+              </a:buClr>
+              <a:buSzPct val="100000"/>
+              <a:buChar char="+"/>
+            </a:pPr>
+            <a:r>
+              <a:rPr lang="zh-TW">
+                <a:solidFill>
+                  <a:srgbClr val="9900FF"/>
+                </a:solidFill>
+              </a:rPr>
+              <a:t>vitis_hls -p hls_opt.tcl &amp;</a:t>
+            </a:r>
+            <a:endParaRPr>
+              <a:solidFill>
+                <a:srgbClr val="9900FF"/>
+              </a:solidFill>
+            </a:endParaRPr>
+          </a:p>
+          <a:p>
+            <a:pPr indent="0" lvl="0" marL="0" rtl="0" algn="l">
+              <a:spcBef>
+                <a:spcPts val="1200"/>
+              </a:spcBef>
+              <a:spcAft>
+                <a:spcPts val="0"/>
+              </a:spcAft>
+              <a:buNone/>
+            </a:pPr>
+            <a:r>
+              <a:rPr lang="zh-TW">
+                <a:solidFill>
+                  <a:schemeClr val="dk1"/>
+                </a:solidFill>
+              </a:rPr>
+              <a:t>loop_compute: for( unsigned long int i_ = 0; i_ &lt; factorialN; i_ += 4 )</a:t>
+            </a:r>
+            <a:endParaRPr>
+              <a:solidFill>
+                <a:schemeClr val="dk1"/>
+              </a:solidFill>
+            </a:endParaRPr>
+          </a:p>
+          <a:p>
+            <a:pPr indent="0" lvl="0" marL="0" rtl="0" algn="l">
+              <a:spcBef>
+                <a:spcPts val="1200"/>
+              </a:spcBef>
+              <a:spcAft>
+                <a:spcPts val="0"/>
+              </a:spcAft>
+              <a:buNone/>
+            </a:pPr>
+            <a:r>
+              <a:rPr lang="zh-TW">
+                <a:solidFill>
+                  <a:schemeClr val="dk1"/>
+                </a:solidFill>
+              </a:rPr>
+              <a:t>  {</a:t>
+            </a:r>
+            <a:endParaRPr>
+              <a:solidFill>
+                <a:schemeClr val="dk1"/>
+              </a:solidFill>
+            </a:endParaRPr>
+          </a:p>
+          <a:p>
+            <a:pPr indent="0" lvl="0" marL="0" rtl="0" algn="l">
+              <a:spcBef>
+                <a:spcPts val="1200"/>
+              </a:spcBef>
+              <a:spcAft>
+                <a:spcPts val="0"/>
+              </a:spcAft>
+              <a:buNone/>
+            </a:pPr>
+            <a:r>
+              <a:rPr lang="zh-TW">
+                <a:solidFill>
+                  <a:schemeClr val="dk1"/>
+                </a:solidFill>
+              </a:rPr>
+              <a:t>	#pragma HLS pipeline II=1</a:t>
+            </a:r>
+            <a:endParaRPr>
+              <a:solidFill>
+                <a:schemeClr val="dk1"/>
+              </a:solidFill>
+            </a:endParaRPr>
+          </a:p>
+          <a:p>
+            <a:pPr indent="0" lvl="0" marL="0" rtl="0" algn="l">
+              <a:spcBef>
+                <a:spcPts val="1200"/>
+              </a:spcBef>
+              <a:spcAft>
+                <a:spcPts val="0"/>
+              </a:spcAft>
+              <a:buNone/>
+            </a:pPr>
+            <a:r>
+              <a:rPr lang="zh-TW">
+                <a:solidFill>
+                  <a:schemeClr val="dk1"/>
+                </a:solidFill>
+              </a:rPr>
+              <a:t>	candidate0 = std::min(candidate0, compute(i_+0, distances_0));</a:t>
+            </a:r>
+            <a:endParaRPr>
+              <a:solidFill>
+                <a:schemeClr val="dk1"/>
+              </a:solidFill>
+            </a:endParaRPr>
+          </a:p>
+          <a:p>
+            <a:pPr indent="0" lvl="0" marL="0" rtl="0" algn="l">
+              <a:spcBef>
+                <a:spcPts val="1200"/>
+              </a:spcBef>
+              <a:spcAft>
+                <a:spcPts val="0"/>
+              </a:spcAft>
+              <a:buNone/>
+            </a:pPr>
+            <a:r>
+              <a:rPr lang="zh-TW">
+                <a:solidFill>
+                  <a:schemeClr val="dk1"/>
+                </a:solidFill>
+              </a:rPr>
+              <a:t>	candidate1 = std::min(candidate1, compute(i_+1, distances_1));</a:t>
+            </a:r>
+            <a:endParaRPr>
+              <a:solidFill>
+                <a:schemeClr val="dk1"/>
+              </a:solidFill>
+            </a:endParaRPr>
+          </a:p>
+          <a:p>
+            <a:pPr indent="0" lvl="0" marL="0" rtl="0" algn="l">
+              <a:spcBef>
+                <a:spcPts val="1200"/>
+              </a:spcBef>
+              <a:spcAft>
+                <a:spcPts val="0"/>
+              </a:spcAft>
+              <a:buNone/>
+            </a:pPr>
+            <a:r>
+              <a:rPr lang="zh-TW">
+                <a:solidFill>
+                  <a:schemeClr val="dk1"/>
+                </a:solidFill>
+              </a:rPr>
+              <a:t>	candidate2 = std::min(candidate2, compute(i_+2, distances_2));</a:t>
+            </a:r>
+            <a:endParaRPr>
+              <a:solidFill>
+                <a:schemeClr val="dk1"/>
+              </a:solidFill>
+            </a:endParaRPr>
+          </a:p>
+          <a:p>
+            <a:pPr indent="0" lvl="0" marL="0" rtl="0" algn="l">
+              <a:spcBef>
+                <a:spcPts val="1200"/>
+              </a:spcBef>
+              <a:spcAft>
+                <a:spcPts val="0"/>
+              </a:spcAft>
+              <a:buNone/>
+            </a:pPr>
+            <a:r>
+              <a:rPr lang="zh-TW">
+                <a:solidFill>
+                  <a:schemeClr val="dk1"/>
+                </a:solidFill>
+              </a:rPr>
+              <a:t>	candidate3 = std::min(candidate3, compute(i_+3, distances_3));</a:t>
+            </a:r>
+            <a:endParaRPr>
+              <a:solidFill>
+                <a:schemeClr val="dk1"/>
+              </a:solidFill>
+            </a:endParaRPr>
+          </a:p>
+          <a:p>
+            <a:pPr indent="0" lvl="0" marL="0" rtl="0" algn="l">
+              <a:spcBef>
+                <a:spcPts val="1200"/>
+              </a:spcBef>
+              <a:spcAft>
+                <a:spcPts val="1200"/>
+              </a:spcAft>
+              <a:buNone/>
+            </a:pPr>
+            <a:r>
+              <a:rPr lang="zh-TW">
+                <a:solidFill>
+                  <a:schemeClr val="dk1"/>
+                </a:solidFill>
+              </a:rPr>
+              <a:t>  }</a:t>
+            </a:r>
+            <a:endParaRPr>
+              <a:solidFill>
+                <a:schemeClr val="dk1"/>
+              </a:solidFill>
+            </a:endParaRPr>
+          </a:p>
+        </p:txBody>
+      </p:sp>
+    </p:spTree>
+  </p:cSld>
+  <p:clrMapOvr>
+    <a:masterClrMapping/>
+  </p:clrMapOvr>
+</p:sld>
+</file>
+
+<file path=ppt/slides/slide21.xml><?xml version="1.0" encoding="utf-8"?>
+<p:sld xmlns:a="http://schemas.openxmlformats.org/drawingml/2006/main" xmlns:r="http://schemas.openxmlformats.org/officeDocument/2006/relationships" xmlns:mc="http://schemas.openxmlformats.org/markup-compatibility/2006" xmlns:mv="urn:schemas-microsoft-com:mac:vml" xmlns:p="http://schemas.openxmlformats.org/presentationml/2006/main" xmlns:c="http://schemas.openxmlformats.org/drawingml/2006/chart" xmlns:dgm="http://schemas.openxmlformats.org/drawingml/2006/diagram" xmlns:o="urn:schemas-microsoft-com:office:office" xmlns:v="urn:schemas-microsoft-com:vml" xmlns:pvml="urn:schemas-microsoft-com:office:powerpoint" xmlns:com="http://schemas.openxmlformats.org/drawingml/2006/compatibility" xmlns:p14="http://schemas.microsoft.com/office/powerpoint/2010/main" xmlns:p15="http://schemas.microsoft.com/office/powerpoint/2012/main" xmlns:ahyp="http://schemas.microsoft.com/office/drawing/2018/hyperlinkcolor">
+  <p:cSld>
+    <p:spTree>
+      <p:nvGrpSpPr>
+        <p:cNvPr id="191" name="Shape 191"/>
+        <p:cNvGrpSpPr/>
+        <p:nvPr/>
+      </p:nvGrpSpPr>
+      <p:grpSpPr>
+        <a:xfrm>
+          <a:off x="0" y="0"/>
+          <a:ext cx="0" cy="0"/>
+          <a:chOff x="0" y="0"/>
+          <a:chExt cx="0" cy="0"/>
+        </a:xfrm>
+      </p:grpSpPr>
+      <p:sp>
+        <p:nvSpPr>
+          <p:cNvPr id="192" name="Google Shape;192;p34"/>
+          <p:cNvSpPr txBox="1"/>
+          <p:nvPr>
+            <p:ph type="title"/>
+          </p:nvPr>
+        </p:nvSpPr>
+        <p:spPr>
+          <a:xfrm>
+            <a:off x="311700" y="445025"/>
+            <a:ext cx="8520600" cy="572700"/>
+          </a:xfrm>
+          <a:prstGeom prst="rect">
+            <a:avLst/>
+          </a:prstGeom>
+        </p:spPr>
+        <p:txBody>
+          <a:bodyPr anchorCtr="0" anchor="t" bIns="91425" lIns="91425" spcFirstLastPara="1" rIns="91425" wrap="square" tIns="91425">
+            <a:normAutofit fontScale="90000"/>
+          </a:bodyPr>
+          <a:lstStyle/>
+          <a:p>
+            <a:pPr indent="0" lvl="0" marL="0" rtl="0" algn="l">
+              <a:spcBef>
+                <a:spcPts val="0"/>
+              </a:spcBef>
+              <a:spcAft>
+                <a:spcPts val="0"/>
+              </a:spcAft>
+              <a:buNone/>
+            </a:pPr>
+            <a:r>
+              <a:rPr lang="zh-TW"/>
+              <a:t>Run Vitis HLS C Simulation (N = 5)</a:t>
+            </a:r>
+            <a:endParaRPr/>
+          </a:p>
+        </p:txBody>
+      </p:sp>
+      <p:sp>
+        <p:nvSpPr>
+          <p:cNvPr id="193" name="Google Shape;193;p34"/>
+          <p:cNvSpPr txBox="1"/>
+          <p:nvPr>
+            <p:ph idx="1" type="body"/>
+          </p:nvPr>
+        </p:nvSpPr>
+        <p:spPr>
+          <a:xfrm>
+            <a:off x="311700" y="1152475"/>
+            <a:ext cx="8520600" cy="3416400"/>
+          </a:xfrm>
+          <a:prstGeom prst="rect">
+            <a:avLst/>
+          </a:prstGeom>
+        </p:spPr>
+        <p:txBody>
+          <a:bodyPr anchorCtr="0" anchor="t" bIns="91425" lIns="91425" spcFirstLastPara="1" rIns="91425" wrap="square" tIns="91425">
             <a:normAutofit/>
           </a:bodyPr>
           <a:lstStyle/>
@@ -11105,7 +11825,7 @@
       </p:sp>
       <p:pic>
         <p:nvPicPr>
-          <p:cNvPr id="191" name="Google Shape;191;p33"/>
+          <p:cNvPr id="194" name="Google Shape;194;p34"/>
           <p:cNvPicPr preferRelativeResize="0"/>
           <p:nvPr/>
         </p:nvPicPr>
@@ -11119,8 +11839,8 @@
         </p:blipFill>
         <p:spPr>
           <a:xfrm>
-            <a:off x="250536" y="978213"/>
-            <a:ext cx="8642926" cy="3187075"/>
+            <a:off x="1072938" y="932550"/>
+            <a:ext cx="6998124" cy="3856250"/>
           </a:xfrm>
           <a:prstGeom prst="rect">
             <a:avLst/>
@@ -11133,14 +11853,14 @@
       </p:pic>
       <p:cxnSp>
         <p:nvCxnSpPr>
-          <p:cNvPr id="192" name="Google Shape;192;p33"/>
+          <p:cNvPr id="195" name="Google Shape;195;p34"/>
           <p:cNvCxnSpPr/>
           <p:nvPr/>
         </p:nvCxnSpPr>
         <p:spPr>
-          <a:xfrm flipH="1" rot="10800000">
-            <a:off x="6140500" y="1480625"/>
-            <a:ext cx="723600" cy="12600"/>
+          <a:xfrm>
+            <a:off x="2922000" y="4549550"/>
+            <a:ext cx="2969100" cy="12600"/>
           </a:xfrm>
           <a:prstGeom prst="straightConnector1">
             <a:avLst/>
@@ -11157,84 +11877,6 @@
           </a:ln>
         </p:spPr>
       </p:cxnSp>
-      <p:cxnSp>
-        <p:nvCxnSpPr>
-          <p:cNvPr id="193" name="Google Shape;193;p33"/>
-          <p:cNvCxnSpPr/>
-          <p:nvPr/>
-        </p:nvCxnSpPr>
-        <p:spPr>
-          <a:xfrm>
-            <a:off x="8435850" y="1705300"/>
-            <a:ext cx="449100" cy="0"/>
-          </a:xfrm>
-          <a:prstGeom prst="straightConnector1">
-            <a:avLst/>
-          </a:prstGeom>
-          <a:noFill/>
-          <a:ln cap="flat" cmpd="sng" w="9525">
-            <a:solidFill>
-              <a:srgbClr val="00FFFF"/>
-            </a:solidFill>
-            <a:prstDash val="solid"/>
-            <a:round/>
-            <a:headEnd len="med" w="med" type="none"/>
-            <a:tailEnd len="med" w="med" type="none"/>
-          </a:ln>
-        </p:spPr>
-      </p:cxnSp>
-      <p:cxnSp>
-        <p:nvCxnSpPr>
-          <p:cNvPr id="194" name="Google Shape;194;p33"/>
-          <p:cNvCxnSpPr/>
-          <p:nvPr/>
-        </p:nvCxnSpPr>
-        <p:spPr>
-          <a:xfrm>
-            <a:off x="8111500" y="1942325"/>
-            <a:ext cx="798300" cy="0"/>
-          </a:xfrm>
-          <a:prstGeom prst="straightConnector1">
-            <a:avLst/>
-          </a:prstGeom>
-          <a:noFill/>
-          <a:ln cap="flat" cmpd="sng" w="9525">
-            <a:solidFill>
-              <a:srgbClr val="00FFFF"/>
-            </a:solidFill>
-            <a:prstDash val="solid"/>
-            <a:round/>
-            <a:headEnd len="med" w="med" type="none"/>
-            <a:tailEnd len="med" w="med" type="none"/>
-          </a:ln>
-        </p:spPr>
-      </p:cxnSp>
-      <p:cxnSp>
-        <p:nvCxnSpPr>
-          <p:cNvPr id="195" name="Google Shape;195;p33"/>
-          <p:cNvCxnSpPr/>
-          <p:nvPr/>
-        </p:nvCxnSpPr>
-        <p:spPr>
-          <a:xfrm>
-            <a:off x="1824225" y="3950750"/>
-            <a:ext cx="2507400" cy="37500"/>
-          </a:xfrm>
-          <a:prstGeom prst="straightConnector1">
-            <a:avLst/>
-          </a:prstGeom>
-          <a:noFill/>
-          <a:ln cap="flat" cmpd="sng" w="9525">
-            <a:solidFill>
-              <a:srgbClr val="00FFFF"/>
-            </a:solidFill>
-            <a:prstDash val="solid"/>
-            <a:round/>
-            <a:headEnd len="med" w="med" type="none"/>
-            <a:tailEnd len="med" w="med" type="none"/>
-          </a:ln>
-        </p:spPr>
-      </p:cxnSp>
     </p:spTree>
   </p:cSld>
   <p:clrMapOvr>
@@ -11243,7 +11885,7 @@
 </p:sld>
 </file>
 
-<file path=ppt/slides/slide21.xml><?xml version="1.0" encoding="utf-8"?>
+<file path=ppt/slides/slide22.xml><?xml version="1.0" encoding="utf-8"?>
 <p:sld xmlns:a="http://schemas.openxmlformats.org/drawingml/2006/main" xmlns:r="http://schemas.openxmlformats.org/officeDocument/2006/relationships" xmlns:mc="http://schemas.openxmlformats.org/markup-compatibility/2006" xmlns:mv="urn:schemas-microsoft-com:mac:vml" xmlns:p="http://schemas.openxmlformats.org/presentationml/2006/main" xmlns:c="http://schemas.openxmlformats.org/drawingml/2006/chart" xmlns:dgm="http://schemas.openxmlformats.org/drawingml/2006/diagram" xmlns:o="urn:schemas-microsoft-com:office:office" xmlns:v="urn:schemas-microsoft-com:vml" xmlns:pvml="urn:schemas-microsoft-com:office:powerpoint" xmlns:com="http://schemas.openxmlformats.org/drawingml/2006/compatibility" xmlns:p14="http://schemas.microsoft.com/office/powerpoint/2010/main" xmlns:p15="http://schemas.microsoft.com/office/powerpoint/2012/main" xmlns:ahyp="http://schemas.microsoft.com/office/drawing/2018/hyperlinkcolor">
   <p:cSld>
     <p:spTree>
@@ -11262,7 +11904,376 @@
       </p:grpSpPr>
       <p:sp>
         <p:nvSpPr>
-          <p:cNvPr id="200" name="Google Shape;200;p34"/>
+          <p:cNvPr id="200" name="Google Shape;200;p35"/>
+          <p:cNvSpPr txBox="1"/>
+          <p:nvPr>
+            <p:ph type="title"/>
+          </p:nvPr>
+        </p:nvSpPr>
+        <p:spPr>
+          <a:xfrm>
+            <a:off x="311700" y="445025"/>
+            <a:ext cx="8520600" cy="572700"/>
+          </a:xfrm>
+          <a:prstGeom prst="rect">
+            <a:avLst/>
+          </a:prstGeom>
+        </p:spPr>
+        <p:txBody>
+          <a:bodyPr anchorCtr="0" anchor="t" bIns="91425" lIns="91425" spcFirstLastPara="1" rIns="91425" wrap="square" tIns="91425">
+            <a:normAutofit fontScale="90000"/>
+          </a:bodyPr>
+          <a:lstStyle/>
+          <a:p>
+            <a:pPr indent="0" lvl="0" marL="0" rtl="0" algn="l">
+              <a:spcBef>
+                <a:spcPts val="0"/>
+              </a:spcBef>
+              <a:spcAft>
+                <a:spcPts val="0"/>
+              </a:spcAft>
+              <a:buNone/>
+            </a:pPr>
+            <a:r>
+              <a:rPr lang="zh-TW"/>
+              <a:t>Run Vitis HLS C Synthesis (N = 13)</a:t>
+            </a:r>
+            <a:endParaRPr/>
+          </a:p>
+        </p:txBody>
+      </p:sp>
+      <p:sp>
+        <p:nvSpPr>
+          <p:cNvPr id="201" name="Google Shape;201;p35"/>
+          <p:cNvSpPr txBox="1"/>
+          <p:nvPr>
+            <p:ph idx="1" type="body"/>
+          </p:nvPr>
+        </p:nvSpPr>
+        <p:spPr>
+          <a:xfrm>
+            <a:off x="311700" y="1152475"/>
+            <a:ext cx="8520600" cy="3416400"/>
+          </a:xfrm>
+          <a:prstGeom prst="rect">
+            <a:avLst/>
+          </a:prstGeom>
+        </p:spPr>
+        <p:txBody>
+          <a:bodyPr anchorCtr="0" anchor="t" bIns="91425" lIns="91425" spcFirstLastPara="1" rIns="91425" wrap="square" tIns="91425">
+            <a:normAutofit/>
+          </a:bodyPr>
+          <a:lstStyle/>
+          <a:p>
+            <a:pPr indent="0" lvl="0" marL="0" rtl="0" algn="l">
+              <a:spcBef>
+                <a:spcPts val="0"/>
+              </a:spcBef>
+              <a:spcAft>
+                <a:spcPts val="1200"/>
+              </a:spcAft>
+              <a:buNone/>
+            </a:pPr>
+            <a:r>
+              <a:t/>
+            </a:r>
+            <a:endParaRPr/>
+          </a:p>
+        </p:txBody>
+      </p:sp>
+      <p:pic>
+        <p:nvPicPr>
+          <p:cNvPr id="202" name="Google Shape;202;p35"/>
+          <p:cNvPicPr preferRelativeResize="0"/>
+          <p:nvPr/>
+        </p:nvPicPr>
+        <p:blipFill>
+          <a:blip r:embed="rId3">
+            <a:alphaModFix/>
+          </a:blip>
+          <a:stretch>
+            <a:fillRect/>
+          </a:stretch>
+        </p:blipFill>
+        <p:spPr>
+          <a:xfrm>
+            <a:off x="250536" y="978213"/>
+            <a:ext cx="8642926" cy="3187075"/>
+          </a:xfrm>
+          <a:prstGeom prst="rect">
+            <a:avLst/>
+          </a:prstGeom>
+          <a:noFill/>
+          <a:ln>
+            <a:noFill/>
+          </a:ln>
+        </p:spPr>
+      </p:pic>
+      <p:cxnSp>
+        <p:nvCxnSpPr>
+          <p:cNvPr id="203" name="Google Shape;203;p35"/>
+          <p:cNvCxnSpPr/>
+          <p:nvPr/>
+        </p:nvCxnSpPr>
+        <p:spPr>
+          <a:xfrm flipH="1" rot="10800000">
+            <a:off x="6140500" y="1480625"/>
+            <a:ext cx="723600" cy="12600"/>
+          </a:xfrm>
+          <a:prstGeom prst="straightConnector1">
+            <a:avLst/>
+          </a:prstGeom>
+          <a:noFill/>
+          <a:ln cap="flat" cmpd="sng" w="9525">
+            <a:solidFill>
+              <a:srgbClr val="00FFFF"/>
+            </a:solidFill>
+            <a:prstDash val="solid"/>
+            <a:round/>
+            <a:headEnd len="med" w="med" type="none"/>
+            <a:tailEnd len="med" w="med" type="none"/>
+          </a:ln>
+        </p:spPr>
+      </p:cxnSp>
+      <p:cxnSp>
+        <p:nvCxnSpPr>
+          <p:cNvPr id="204" name="Google Shape;204;p35"/>
+          <p:cNvCxnSpPr/>
+          <p:nvPr/>
+        </p:nvCxnSpPr>
+        <p:spPr>
+          <a:xfrm>
+            <a:off x="8435850" y="1705300"/>
+            <a:ext cx="449100" cy="0"/>
+          </a:xfrm>
+          <a:prstGeom prst="straightConnector1">
+            <a:avLst/>
+          </a:prstGeom>
+          <a:noFill/>
+          <a:ln cap="flat" cmpd="sng" w="9525">
+            <a:solidFill>
+              <a:srgbClr val="00FFFF"/>
+            </a:solidFill>
+            <a:prstDash val="solid"/>
+            <a:round/>
+            <a:headEnd len="med" w="med" type="none"/>
+            <a:tailEnd len="med" w="med" type="none"/>
+          </a:ln>
+        </p:spPr>
+      </p:cxnSp>
+      <p:cxnSp>
+        <p:nvCxnSpPr>
+          <p:cNvPr id="205" name="Google Shape;205;p35"/>
+          <p:cNvCxnSpPr/>
+          <p:nvPr/>
+        </p:nvCxnSpPr>
+        <p:spPr>
+          <a:xfrm>
+            <a:off x="8111500" y="1942325"/>
+            <a:ext cx="798300" cy="0"/>
+          </a:xfrm>
+          <a:prstGeom prst="straightConnector1">
+            <a:avLst/>
+          </a:prstGeom>
+          <a:noFill/>
+          <a:ln cap="flat" cmpd="sng" w="9525">
+            <a:solidFill>
+              <a:srgbClr val="00FFFF"/>
+            </a:solidFill>
+            <a:prstDash val="solid"/>
+            <a:round/>
+            <a:headEnd len="med" w="med" type="none"/>
+            <a:tailEnd len="med" w="med" type="none"/>
+          </a:ln>
+        </p:spPr>
+      </p:cxnSp>
+      <p:cxnSp>
+        <p:nvCxnSpPr>
+          <p:cNvPr id="206" name="Google Shape;206;p35"/>
+          <p:cNvCxnSpPr/>
+          <p:nvPr/>
+        </p:nvCxnSpPr>
+        <p:spPr>
+          <a:xfrm>
+            <a:off x="1824225" y="3950750"/>
+            <a:ext cx="2507400" cy="37500"/>
+          </a:xfrm>
+          <a:prstGeom prst="straightConnector1">
+            <a:avLst/>
+          </a:prstGeom>
+          <a:noFill/>
+          <a:ln cap="flat" cmpd="sng" w="9525">
+            <a:solidFill>
+              <a:srgbClr val="00FFFF"/>
+            </a:solidFill>
+            <a:prstDash val="solid"/>
+            <a:round/>
+            <a:headEnd len="med" w="med" type="none"/>
+            <a:tailEnd len="med" w="med" type="none"/>
+          </a:ln>
+        </p:spPr>
+      </p:cxnSp>
+    </p:spTree>
+  </p:cSld>
+  <p:clrMapOvr>
+    <a:masterClrMapping/>
+  </p:clrMapOvr>
+</p:sld>
+</file>
+
+<file path=ppt/slides/slide23.xml><?xml version="1.0" encoding="utf-8"?>
+<p:sld xmlns:a="http://schemas.openxmlformats.org/drawingml/2006/main" xmlns:r="http://schemas.openxmlformats.org/officeDocument/2006/relationships" xmlns:mc="http://schemas.openxmlformats.org/markup-compatibility/2006" xmlns:mv="urn:schemas-microsoft-com:mac:vml" xmlns:p="http://schemas.openxmlformats.org/presentationml/2006/main" xmlns:c="http://schemas.openxmlformats.org/drawingml/2006/chart" xmlns:dgm="http://schemas.openxmlformats.org/drawingml/2006/diagram" xmlns:o="urn:schemas-microsoft-com:office:office" xmlns:v="urn:schemas-microsoft-com:vml" xmlns:pvml="urn:schemas-microsoft-com:office:powerpoint" xmlns:com="http://schemas.openxmlformats.org/drawingml/2006/compatibility" xmlns:p14="http://schemas.microsoft.com/office/powerpoint/2010/main" xmlns:p15="http://schemas.microsoft.com/office/powerpoint/2012/main" xmlns:ahyp="http://schemas.microsoft.com/office/drawing/2018/hyperlinkcolor">
+  <p:cSld>
+    <p:spTree>
+      <p:nvGrpSpPr>
+        <p:cNvPr id="210" name="Shape 210"/>
+        <p:cNvGrpSpPr/>
+        <p:nvPr/>
+      </p:nvGrpSpPr>
+      <p:grpSpPr>
+        <a:xfrm>
+          <a:off x="0" y="0"/>
+          <a:ext cx="0" cy="0"/>
+          <a:chOff x="0" y="0"/>
+          <a:chExt cx="0" cy="0"/>
+        </a:xfrm>
+      </p:grpSpPr>
+      <p:sp>
+        <p:nvSpPr>
+          <p:cNvPr id="211" name="Google Shape;211;p36"/>
+          <p:cNvSpPr txBox="1"/>
+          <p:nvPr>
+            <p:ph type="title"/>
+          </p:nvPr>
+        </p:nvSpPr>
+        <p:spPr>
+          <a:xfrm>
+            <a:off x="311700" y="445025"/>
+            <a:ext cx="8520600" cy="572700"/>
+          </a:xfrm>
+          <a:prstGeom prst="rect">
+            <a:avLst/>
+          </a:prstGeom>
+        </p:spPr>
+        <p:txBody>
+          <a:bodyPr anchorCtr="0" anchor="t" bIns="91425" lIns="91425" spcFirstLastPara="1" rIns="91425" wrap="square" tIns="91425">
+            <a:normAutofit fontScale="90000"/>
+          </a:bodyPr>
+          <a:lstStyle/>
+          <a:p>
+            <a:pPr indent="0" lvl="0" marL="0" rtl="0" algn="l">
+              <a:spcBef>
+                <a:spcPts val="0"/>
+              </a:spcBef>
+              <a:spcAft>
+                <a:spcPts val="0"/>
+              </a:spcAft>
+              <a:buNone/>
+            </a:pPr>
+            <a:r>
+              <a:rPr lang="zh-TW"/>
+              <a:t>Related topic: Google map algorism</a:t>
+            </a:r>
+            <a:endParaRPr/>
+          </a:p>
+        </p:txBody>
+      </p:sp>
+      <p:sp>
+        <p:nvSpPr>
+          <p:cNvPr id="212" name="Google Shape;212;p36"/>
+          <p:cNvSpPr txBox="1"/>
+          <p:nvPr>
+            <p:ph idx="1" type="body"/>
+          </p:nvPr>
+        </p:nvSpPr>
+        <p:spPr>
+          <a:xfrm>
+            <a:off x="311700" y="1152475"/>
+            <a:ext cx="8520600" cy="3416400"/>
+          </a:xfrm>
+          <a:prstGeom prst="rect">
+            <a:avLst/>
+          </a:prstGeom>
+        </p:spPr>
+        <p:txBody>
+          <a:bodyPr anchorCtr="0" anchor="t" bIns="91425" lIns="91425" spcFirstLastPara="1" rIns="91425" wrap="square" tIns="91425">
+            <a:normAutofit/>
+          </a:bodyPr>
+          <a:lstStyle/>
+          <a:p>
+            <a:pPr indent="0" lvl="0" marL="0" rtl="0" algn="l">
+              <a:spcBef>
+                <a:spcPts val="0"/>
+              </a:spcBef>
+              <a:spcAft>
+                <a:spcPts val="1200"/>
+              </a:spcAft>
+              <a:buNone/>
+            </a:pPr>
+            <a:r>
+              <a:rPr lang="zh-TW"/>
+              <a:t>Shortest time from A to B?</a:t>
+            </a:r>
+            <a:endParaRPr/>
+          </a:p>
+        </p:txBody>
+      </p:sp>
+      <p:pic>
+        <p:nvPicPr>
+          <p:cNvPr id="213" name="Google Shape;213;p36"/>
+          <p:cNvPicPr preferRelativeResize="0"/>
+          <p:nvPr/>
+        </p:nvPicPr>
+        <p:blipFill>
+          <a:blip r:embed="rId3">
+            <a:alphaModFix/>
+          </a:blip>
+          <a:stretch>
+            <a:fillRect/>
+          </a:stretch>
+        </p:blipFill>
+        <p:spPr>
+          <a:xfrm>
+            <a:off x="1472588" y="1656650"/>
+            <a:ext cx="6198826" cy="3486850"/>
+          </a:xfrm>
+          <a:prstGeom prst="rect">
+            <a:avLst/>
+          </a:prstGeom>
+          <a:noFill/>
+          <a:ln>
+            <a:noFill/>
+          </a:ln>
+        </p:spPr>
+      </p:pic>
+    </p:spTree>
+  </p:cSld>
+  <p:clrMapOvr>
+    <a:masterClrMapping/>
+  </p:clrMapOvr>
+</p:sld>
+</file>
+
+<file path=ppt/slides/slide24.xml><?xml version="1.0" encoding="utf-8"?>
+<p:sld xmlns:a="http://schemas.openxmlformats.org/drawingml/2006/main" xmlns:r="http://schemas.openxmlformats.org/officeDocument/2006/relationships" xmlns:mc="http://schemas.openxmlformats.org/markup-compatibility/2006" xmlns:mv="urn:schemas-microsoft-com:mac:vml" xmlns:p="http://schemas.openxmlformats.org/presentationml/2006/main" xmlns:c="http://schemas.openxmlformats.org/drawingml/2006/chart" xmlns:dgm="http://schemas.openxmlformats.org/drawingml/2006/diagram" xmlns:o="urn:schemas-microsoft-com:office:office" xmlns:v="urn:schemas-microsoft-com:vml" xmlns:pvml="urn:schemas-microsoft-com:office:powerpoint" xmlns:com="http://schemas.openxmlformats.org/drawingml/2006/compatibility" xmlns:p14="http://schemas.microsoft.com/office/powerpoint/2010/main" xmlns:p15="http://schemas.microsoft.com/office/powerpoint/2012/main" xmlns:ahyp="http://schemas.microsoft.com/office/drawing/2018/hyperlinkcolor">
+  <p:cSld>
+    <p:spTree>
+      <p:nvGrpSpPr>
+        <p:cNvPr id="217" name="Shape 217"/>
+        <p:cNvGrpSpPr/>
+        <p:nvPr/>
+      </p:nvGrpSpPr>
+      <p:grpSpPr>
+        <a:xfrm>
+          <a:off x="0" y="0"/>
+          <a:ext cx="0" cy="0"/>
+          <a:chOff x="0" y="0"/>
+          <a:chExt cx="0" cy="0"/>
+        </a:xfrm>
+      </p:grpSpPr>
+      <p:sp>
+        <p:nvSpPr>
+          <p:cNvPr id="218" name="Google Shape;218;p37"/>
           <p:cNvSpPr txBox="1"/>
           <p:nvPr>
             <p:ph type="title"/>
@@ -12513,7 +13524,7 @@
             </a:pPr>
             <a:r>
               <a:rPr lang="zh-TW"/>
-              <a:t>Hardware tricks</a:t>
+              <a:t>Hardware Acceleration tricks</a:t>
             </a:r>
             <a:endParaRPr/>
           </a:p>
@@ -12610,6 +13621,285 @@
 </file>
 
 <file path=ppt/theme/theme1.xml><?xml version="1.0" encoding="utf-8"?>
+<a:theme xmlns:a="http://schemas.openxmlformats.org/drawingml/2006/main" xmlns:r="http://schemas.openxmlformats.org/officeDocument/2006/relationships" name="Simple Light">
+  <a:themeElements>
+    <a:clrScheme name="Simple Light">
+      <a:dk1>
+        <a:srgbClr val="000000"/>
+      </a:dk1>
+      <a:lt1>
+        <a:srgbClr val="FFFFFF"/>
+      </a:lt1>
+      <a:dk2>
+        <a:srgbClr val="595959"/>
+      </a:dk2>
+      <a:lt2>
+        <a:srgbClr val="EEEEEE"/>
+      </a:lt2>
+      <a:accent1>
+        <a:srgbClr val="4285F4"/>
+      </a:accent1>
+      <a:accent2>
+        <a:srgbClr val="212121"/>
+      </a:accent2>
+      <a:accent3>
+        <a:srgbClr val="78909C"/>
+      </a:accent3>
+      <a:accent4>
+        <a:srgbClr val="FFAB40"/>
+      </a:accent4>
+      <a:accent5>
+        <a:srgbClr val="0097A7"/>
+      </a:accent5>
+      <a:accent6>
+        <a:srgbClr val="EEFF41"/>
+      </a:accent6>
+      <a:hlink>
+        <a:srgbClr val="0097A7"/>
+      </a:hlink>
+      <a:folHlink>
+        <a:srgbClr val="0097A7"/>
+      </a:folHlink>
+    </a:clrScheme>
+    <a:fontScheme name="Office">
+      <a:majorFont>
+        <a:latin typeface="Arial"/>
+        <a:ea typeface=""/>
+        <a:cs typeface=""/>
+        <a:font script="Jpan" typeface="ＭＳ Ｐゴシック"/>
+        <a:font script="Hang" typeface="맑은 고딕"/>
+        <a:font script="Hans" typeface="宋体"/>
+        <a:font script="Hant" typeface="新細明體"/>
+        <a:font script="Arab" typeface="Times New Roman"/>
+        <a:font script="Hebr" typeface="Times New Roman"/>
+        <a:font script="Thai" typeface="Angsana New"/>
+        <a:font script="Ethi" typeface="Nyala"/>
+        <a:font script="Beng" typeface="Vrinda"/>
+        <a:font script="Gujr" typeface="Shruti"/>
+        <a:font script="Khmr" typeface="MoolBoran"/>
+        <a:font script="Knda" typeface="Tunga"/>
+        <a:font script="Guru" typeface="Raavi"/>
+        <a:font script="Cans" typeface="Euphemia"/>
+        <a:font script="Cher" typeface="Plantagenet Cherokee"/>
+        <a:font script="Yiii" typeface="Microsoft Yi Baiti"/>
+        <a:font script="Tibt" typeface="Microsoft Himalaya"/>
+        <a:font script="Thaa" typeface="MV Boli"/>
+        <a:font script="Deva" typeface="Mangal"/>
+        <a:font script="Telu" typeface="Gautami"/>
+        <a:font script="Taml" typeface="Latha"/>
+        <a:font script="Syrc" typeface="Estrangelo Edessa"/>
+        <a:font script="Orya" typeface="Kalinga"/>
+        <a:font script="Mlym" typeface="Kartika"/>
+        <a:font script="Laoo" typeface="DokChampa"/>
+        <a:font script="Sinh" typeface="Iskoola Pota"/>
+        <a:font script="Mong" typeface="Mongolian Baiti"/>
+        <a:font script="Viet" typeface="Times New Roman"/>
+        <a:font script="Uigh" typeface="Microsoft Uighur"/>
+        <a:font script="Geor" typeface="Sylfaen"/>
+      </a:majorFont>
+      <a:minorFont>
+        <a:latin typeface="Arial"/>
+        <a:ea typeface=""/>
+        <a:cs typeface=""/>
+        <a:font script="Jpan" typeface="ＭＳ Ｐゴシック"/>
+        <a:font script="Hang" typeface="맑은 고딕"/>
+        <a:font script="Hans" typeface="宋体"/>
+        <a:font script="Hant" typeface="新細明體"/>
+        <a:font script="Arab" typeface="Arial"/>
+        <a:font script="Hebr" typeface="Arial"/>
+        <a:font script="Thai" typeface="Cordia New"/>
+        <a:font script="Ethi" typeface="Nyala"/>
+        <a:font script="Beng" typeface="Vrinda"/>
+        <a:font script="Gujr" typeface="Shruti"/>
+        <a:font script="Khmr" typeface="DaunPenh"/>
+        <a:font script="Knda" typeface="Tunga"/>
+        <a:font script="Guru" typeface="Raavi"/>
+        <a:font script="Cans" typeface="Euphemia"/>
+        <a:font script="Cher" typeface="Plantagenet Cherokee"/>
+        <a:font script="Yiii" typeface="Microsoft Yi Baiti"/>
+        <a:font script="Tibt" typeface="Microsoft Himalaya"/>
+        <a:font script="Thaa" typeface="MV Boli"/>
+        <a:font script="Deva" typeface="Mangal"/>
+        <a:font script="Telu" typeface="Gautami"/>
+        <a:font script="Taml" typeface="Latha"/>
+        <a:font script="Syrc" typeface="Estrangelo Edessa"/>
+        <a:font script="Orya" typeface="Kalinga"/>
+        <a:font script="Mlym" typeface="Kartika"/>
+        <a:font script="Laoo" typeface="DokChampa"/>
+        <a:font script="Sinh" typeface="Iskoola Pota"/>
+        <a:font script="Mong" typeface="Mongolian Baiti"/>
+        <a:font script="Viet" typeface="Arial"/>
+        <a:font script="Uigh" typeface="Microsoft Uighur"/>
+        <a:font script="Geor" typeface="Sylfaen"/>
+      </a:minorFont>
+    </a:fontScheme>
+    <a:fmtScheme name="Office">
+      <a:fillStyleLst>
+        <a:solidFill>
+          <a:schemeClr val="phClr"/>
+        </a:solidFill>
+        <a:gradFill rotWithShape="1">
+          <a:gsLst>
+            <a:gs pos="0">
+              <a:schemeClr val="phClr">
+                <a:tint val="50000"/>
+                <a:satMod val="300000"/>
+              </a:schemeClr>
+            </a:gs>
+            <a:gs pos="35000">
+              <a:schemeClr val="phClr">
+                <a:tint val="37000"/>
+                <a:satMod val="300000"/>
+              </a:schemeClr>
+            </a:gs>
+            <a:gs pos="100000">
+              <a:schemeClr val="phClr">
+                <a:tint val="15000"/>
+                <a:satMod val="350000"/>
+              </a:schemeClr>
+            </a:gs>
+          </a:gsLst>
+          <a:lin ang="16200000" scaled="1"/>
+        </a:gradFill>
+        <a:gradFill rotWithShape="1">
+          <a:gsLst>
+            <a:gs pos="0">
+              <a:schemeClr val="phClr">
+                <a:tint val="100000"/>
+                <a:shade val="100000"/>
+                <a:satMod val="130000"/>
+              </a:schemeClr>
+            </a:gs>
+            <a:gs pos="100000">
+              <a:schemeClr val="phClr">
+                <a:tint val="50000"/>
+                <a:shade val="100000"/>
+                <a:satMod val="350000"/>
+              </a:schemeClr>
+            </a:gs>
+          </a:gsLst>
+          <a:lin ang="16200000" scaled="0"/>
+        </a:gradFill>
+      </a:fillStyleLst>
+      <a:lnStyleLst>
+        <a:ln w="9525" cap="flat" cmpd="sng" algn="ctr">
+          <a:solidFill>
+            <a:schemeClr val="phClr">
+              <a:shade val="95000"/>
+              <a:satMod val="105000"/>
+            </a:schemeClr>
+          </a:solidFill>
+          <a:prstDash val="solid"/>
+        </a:ln>
+        <a:ln w="25400" cap="flat" cmpd="sng" algn="ctr">
+          <a:solidFill>
+            <a:schemeClr val="phClr"/>
+          </a:solidFill>
+          <a:prstDash val="solid"/>
+        </a:ln>
+        <a:ln w="38100" cap="flat" cmpd="sng" algn="ctr">
+          <a:solidFill>
+            <a:schemeClr val="phClr"/>
+          </a:solidFill>
+          <a:prstDash val="solid"/>
+        </a:ln>
+      </a:lnStyleLst>
+      <a:effectStyleLst>
+        <a:effectStyle>
+          <a:effectLst>
+            <a:outerShdw blurRad="40000" dist="20000" dir="5400000" rotWithShape="0">
+              <a:srgbClr val="000000">
+                <a:alpha val="38000"/>
+              </a:srgbClr>
+            </a:outerShdw>
+          </a:effectLst>
+        </a:effectStyle>
+        <a:effectStyle>
+          <a:effectLst>
+            <a:outerShdw blurRad="40000" dist="23000" dir="5400000" rotWithShape="0">
+              <a:srgbClr val="000000">
+                <a:alpha val="35000"/>
+              </a:srgbClr>
+            </a:outerShdw>
+          </a:effectLst>
+        </a:effectStyle>
+        <a:effectStyle>
+          <a:effectLst>
+            <a:outerShdw blurRad="40000" dist="23000" dir="5400000" rotWithShape="0">
+              <a:srgbClr val="000000">
+                <a:alpha val="35000"/>
+              </a:srgbClr>
+            </a:outerShdw>
+          </a:effectLst>
+          <a:scene3d>
+            <a:camera prst="orthographicFront">
+              <a:rot lat="0" lon="0" rev="0"/>
+            </a:camera>
+            <a:lightRig rig="threePt" dir="t">
+              <a:rot lat="0" lon="0" rev="1200000"/>
+            </a:lightRig>
+          </a:scene3d>
+          <a:sp3d>
+            <a:bevelT w="63500" h="25400"/>
+          </a:sp3d>
+        </a:effectStyle>
+      </a:effectStyleLst>
+      <a:bgFillStyleLst>
+        <a:solidFill>
+          <a:schemeClr val="phClr"/>
+        </a:solidFill>
+        <a:gradFill rotWithShape="1">
+          <a:gsLst>
+            <a:gs pos="0">
+              <a:schemeClr val="phClr">
+                <a:tint val="40000"/>
+                <a:satMod val="350000"/>
+              </a:schemeClr>
+            </a:gs>
+            <a:gs pos="40000">
+              <a:schemeClr val="phClr">
+                <a:tint val="45000"/>
+                <a:shade val="99000"/>
+                <a:satMod val="350000"/>
+              </a:schemeClr>
+            </a:gs>
+            <a:gs pos="100000">
+              <a:schemeClr val="phClr">
+                <a:shade val="20000"/>
+                <a:satMod val="255000"/>
+              </a:schemeClr>
+            </a:gs>
+          </a:gsLst>
+          <a:path path="circle">
+            <a:fillToRect l="50000" t="-80000" r="50000" b="180000"/>
+          </a:path>
+        </a:gradFill>
+        <a:gradFill rotWithShape="1">
+          <a:gsLst>
+            <a:gs pos="0">
+              <a:schemeClr val="phClr">
+                <a:tint val="80000"/>
+                <a:satMod val="300000"/>
+              </a:schemeClr>
+            </a:gs>
+            <a:gs pos="100000">
+              <a:schemeClr val="phClr">
+                <a:shade val="30000"/>
+                <a:satMod val="200000"/>
+              </a:schemeClr>
+            </a:gs>
+          </a:gsLst>
+          <a:path path="circle">
+            <a:fillToRect l="50000" t="50000" r="50000" b="50000"/>
+          </a:path>
+        </a:gradFill>
+      </a:bgFillStyleLst>
+    </a:fmtScheme>
+  </a:themeElements>
+</a:theme>
+</file>
+
+<file path=ppt/theme/theme2.xml><?xml version="1.0" encoding="utf-8"?>
 <a:theme xmlns:a="http://schemas.openxmlformats.org/drawingml/2006/main" xmlns:r="http://schemas.openxmlformats.org/officeDocument/2006/relationships">
   <a:themeElements>
     <a:clrScheme name="Default">
@@ -12886,283 +14176,4 @@
     </a:fmtScheme>
   </a:themeElements>
 </a:theme>
-</file>
-
-<file path=ppt/theme/theme2.xml><?xml version="1.0" encoding="utf-8"?>
-<a:theme xmlns:a="http://schemas.openxmlformats.org/drawingml/2006/main" xmlns:r="http://schemas.openxmlformats.org/officeDocument/2006/relationships" name="Simple Light">
-  <a:themeElements>
-    <a:clrScheme name="Simple Light">
-      <a:dk1>
-        <a:srgbClr val="000000"/>
-      </a:dk1>
-      <a:lt1>
-        <a:srgbClr val="FFFFFF"/>
-      </a:lt1>
-      <a:dk2>
-        <a:srgbClr val="595959"/>
-      </a:dk2>
-      <a:lt2>
-        <a:srgbClr val="EEEEEE"/>
-      </a:lt2>
-      <a:accent1>
-        <a:srgbClr val="4285F4"/>
-      </a:accent1>
-      <a:accent2>
-        <a:srgbClr val="212121"/>
-      </a:accent2>
-      <a:accent3>
-        <a:srgbClr val="78909C"/>
-      </a:accent3>
-      <a:accent4>
-        <a:srgbClr val="FFAB40"/>
-      </a:accent4>
-      <a:accent5>
-        <a:srgbClr val="0097A7"/>
-      </a:accent5>
-      <a:accent6>
-        <a:srgbClr val="EEFF41"/>
-      </a:accent6>
-      <a:hlink>
-        <a:srgbClr val="0097A7"/>
-      </a:hlink>
-      <a:folHlink>
-        <a:srgbClr val="0097A7"/>
-      </a:folHlink>
-    </a:clrScheme>
-    <a:fontScheme name="Office">
-      <a:majorFont>
-        <a:latin typeface="Arial"/>
-        <a:ea typeface=""/>
-        <a:cs typeface=""/>
-        <a:font script="Jpan" typeface="ＭＳ Ｐゴシック"/>
-        <a:font script="Hang" typeface="맑은 고딕"/>
-        <a:font script="Hans" typeface="宋体"/>
-        <a:font script="Hant" typeface="新細明體"/>
-        <a:font script="Arab" typeface="Times New Roman"/>
-        <a:font script="Hebr" typeface="Times New Roman"/>
-        <a:font script="Thai" typeface="Angsana New"/>
-        <a:font script="Ethi" typeface="Nyala"/>
-        <a:font script="Beng" typeface="Vrinda"/>
-        <a:font script="Gujr" typeface="Shruti"/>
-        <a:font script="Khmr" typeface="MoolBoran"/>
-        <a:font script="Knda" typeface="Tunga"/>
-        <a:font script="Guru" typeface="Raavi"/>
-        <a:font script="Cans" typeface="Euphemia"/>
-        <a:font script="Cher" typeface="Plantagenet Cherokee"/>
-        <a:font script="Yiii" typeface="Microsoft Yi Baiti"/>
-        <a:font script="Tibt" typeface="Microsoft Himalaya"/>
-        <a:font script="Thaa" typeface="MV Boli"/>
-        <a:font script="Deva" typeface="Mangal"/>
-        <a:font script="Telu" typeface="Gautami"/>
-        <a:font script="Taml" typeface="Latha"/>
-        <a:font script="Syrc" typeface="Estrangelo Edessa"/>
-        <a:font script="Orya" typeface="Kalinga"/>
-        <a:font script="Mlym" typeface="Kartika"/>
-        <a:font script="Laoo" typeface="DokChampa"/>
-        <a:font script="Sinh" typeface="Iskoola Pota"/>
-        <a:font script="Mong" typeface="Mongolian Baiti"/>
-        <a:font script="Viet" typeface="Times New Roman"/>
-        <a:font script="Uigh" typeface="Microsoft Uighur"/>
-        <a:font script="Geor" typeface="Sylfaen"/>
-      </a:majorFont>
-      <a:minorFont>
-        <a:latin typeface="Arial"/>
-        <a:ea typeface=""/>
-        <a:cs typeface=""/>
-        <a:font script="Jpan" typeface="ＭＳ Ｐゴシック"/>
-        <a:font script="Hang" typeface="맑은 고딕"/>
-        <a:font script="Hans" typeface="宋体"/>
-        <a:font script="Hant" typeface="新細明體"/>
-        <a:font script="Arab" typeface="Arial"/>
-        <a:font script="Hebr" typeface="Arial"/>
-        <a:font script="Thai" typeface="Cordia New"/>
-        <a:font script="Ethi" typeface="Nyala"/>
-        <a:font script="Beng" typeface="Vrinda"/>
-        <a:font script="Gujr" typeface="Shruti"/>
-        <a:font script="Khmr" typeface="DaunPenh"/>
-        <a:font script="Knda" typeface="Tunga"/>
-        <a:font script="Guru" typeface="Raavi"/>
-        <a:font script="Cans" typeface="Euphemia"/>
-        <a:font script="Cher" typeface="Plantagenet Cherokee"/>
-        <a:font script="Yiii" typeface="Microsoft Yi Baiti"/>
-        <a:font script="Tibt" typeface="Microsoft Himalaya"/>
-        <a:font script="Thaa" typeface="MV Boli"/>
-        <a:font script="Deva" typeface="Mangal"/>
-        <a:font script="Telu" typeface="Gautami"/>
-        <a:font script="Taml" typeface="Latha"/>
-        <a:font script="Syrc" typeface="Estrangelo Edessa"/>
-        <a:font script="Orya" typeface="Kalinga"/>
-        <a:font script="Mlym" typeface="Kartika"/>
-        <a:font script="Laoo" typeface="DokChampa"/>
-        <a:font script="Sinh" typeface="Iskoola Pota"/>
-        <a:font script="Mong" typeface="Mongolian Baiti"/>
-        <a:font script="Viet" typeface="Arial"/>
-        <a:font script="Uigh" typeface="Microsoft Uighur"/>
-        <a:font script="Geor" typeface="Sylfaen"/>
-      </a:minorFont>
-    </a:fontScheme>
-    <a:fmtScheme name="Office">
-      <a:fillStyleLst>
-        <a:solidFill>
-          <a:schemeClr val="phClr"/>
-        </a:solidFill>
-        <a:gradFill rotWithShape="1">
-          <a:gsLst>
-            <a:gs pos="0">
-              <a:schemeClr val="phClr">
-                <a:tint val="50000"/>
-                <a:satMod val="300000"/>
-              </a:schemeClr>
-            </a:gs>
-            <a:gs pos="35000">
-              <a:schemeClr val="phClr">
-                <a:tint val="37000"/>
-                <a:satMod val="300000"/>
-              </a:schemeClr>
-            </a:gs>
-            <a:gs pos="100000">
-              <a:schemeClr val="phClr">
-                <a:tint val="15000"/>
-                <a:satMod val="350000"/>
-              </a:schemeClr>
-            </a:gs>
-          </a:gsLst>
-          <a:lin ang="16200000" scaled="1"/>
-        </a:gradFill>
-        <a:gradFill rotWithShape="1">
-          <a:gsLst>
-            <a:gs pos="0">
-              <a:schemeClr val="phClr">
-                <a:tint val="100000"/>
-                <a:shade val="100000"/>
-                <a:satMod val="130000"/>
-              </a:schemeClr>
-            </a:gs>
-            <a:gs pos="100000">
-              <a:schemeClr val="phClr">
-                <a:tint val="50000"/>
-                <a:shade val="100000"/>
-                <a:satMod val="350000"/>
-              </a:schemeClr>
-            </a:gs>
-          </a:gsLst>
-          <a:lin ang="16200000" scaled="0"/>
-        </a:gradFill>
-      </a:fillStyleLst>
-      <a:lnStyleLst>
-        <a:ln w="9525" cap="flat" cmpd="sng" algn="ctr">
-          <a:solidFill>
-            <a:schemeClr val="phClr">
-              <a:shade val="95000"/>
-              <a:satMod val="105000"/>
-            </a:schemeClr>
-          </a:solidFill>
-          <a:prstDash val="solid"/>
-        </a:ln>
-        <a:ln w="25400" cap="flat" cmpd="sng" algn="ctr">
-          <a:solidFill>
-            <a:schemeClr val="phClr"/>
-          </a:solidFill>
-          <a:prstDash val="solid"/>
-        </a:ln>
-        <a:ln w="38100" cap="flat" cmpd="sng" algn="ctr">
-          <a:solidFill>
-            <a:schemeClr val="phClr"/>
-          </a:solidFill>
-          <a:prstDash val="solid"/>
-        </a:ln>
-      </a:lnStyleLst>
-      <a:effectStyleLst>
-        <a:effectStyle>
-          <a:effectLst>
-            <a:outerShdw blurRad="40000" dist="20000" dir="5400000" rotWithShape="0">
-              <a:srgbClr val="000000">
-                <a:alpha val="38000"/>
-              </a:srgbClr>
-            </a:outerShdw>
-          </a:effectLst>
-        </a:effectStyle>
-        <a:effectStyle>
-          <a:effectLst>
-            <a:outerShdw blurRad="40000" dist="23000" dir="5400000" rotWithShape="0">
-              <a:srgbClr val="000000">
-                <a:alpha val="35000"/>
-              </a:srgbClr>
-            </a:outerShdw>
-          </a:effectLst>
-        </a:effectStyle>
-        <a:effectStyle>
-          <a:effectLst>
-            <a:outerShdw blurRad="40000" dist="23000" dir="5400000" rotWithShape="0">
-              <a:srgbClr val="000000">
-                <a:alpha val="35000"/>
-              </a:srgbClr>
-            </a:outerShdw>
-          </a:effectLst>
-          <a:scene3d>
-            <a:camera prst="orthographicFront">
-              <a:rot lat="0" lon="0" rev="0"/>
-            </a:camera>
-            <a:lightRig rig="threePt" dir="t">
-              <a:rot lat="0" lon="0" rev="1200000"/>
-            </a:lightRig>
-          </a:scene3d>
-          <a:sp3d>
-            <a:bevelT w="63500" h="25400"/>
-          </a:sp3d>
-        </a:effectStyle>
-      </a:effectStyleLst>
-      <a:bgFillStyleLst>
-        <a:solidFill>
-          <a:schemeClr val="phClr"/>
-        </a:solidFill>
-        <a:gradFill rotWithShape="1">
-          <a:gsLst>
-            <a:gs pos="0">
-              <a:schemeClr val="phClr">
-                <a:tint val="40000"/>
-                <a:satMod val="350000"/>
-              </a:schemeClr>
-            </a:gs>
-            <a:gs pos="40000">
-              <a:schemeClr val="phClr">
-                <a:tint val="45000"/>
-                <a:shade val="99000"/>
-                <a:satMod val="350000"/>
-              </a:schemeClr>
-            </a:gs>
-            <a:gs pos="100000">
-              <a:schemeClr val="phClr">
-                <a:shade val="20000"/>
-                <a:satMod val="255000"/>
-              </a:schemeClr>
-            </a:gs>
-          </a:gsLst>
-          <a:path path="circle">
-            <a:fillToRect l="50000" t="-80000" r="50000" b="180000"/>
-          </a:path>
-        </a:gradFill>
-        <a:gradFill rotWithShape="1">
-          <a:gsLst>
-            <a:gs pos="0">
-              <a:schemeClr val="phClr">
-                <a:tint val="80000"/>
-                <a:satMod val="300000"/>
-              </a:schemeClr>
-            </a:gs>
-            <a:gs pos="100000">
-              <a:schemeClr val="phClr">
-                <a:shade val="30000"/>
-                <a:satMod val="200000"/>
-              </a:schemeClr>
-            </a:gs>
-          </a:gsLst>
-          <a:path path="circle">
-            <a:fillToRect l="50000" t="50000" r="50000" b="50000"/>
-          </a:path>
-        </a:gradFill>
-      </a:bgFillStyleLst>
-    </a:fmtScheme>
-  </a:themeElements>
-</a:theme>
 </file>